--- a/spark/developer_associate_certification/diagrams.pptx
+++ b/spark/developer_associate_certification/diagrams.pptx
@@ -7,8 +7,6 @@
   <p:sldIdLst>
     <p:sldId id="256" r:id="rId2"/>
     <p:sldId id="257" r:id="rId3"/>
-    <p:sldId id="258" r:id="rId4"/>
-    <p:sldId id="259" r:id="rId5"/>
   </p:sldIdLst>
   <p:sldSz cx="12192000" cy="6858000"/>
   <p:notesSz cx="6858000" cy="9144000"/>
@@ -3480,1790 +3478,1439 @@
           <a:chExt cx="0" cy="0"/>
         </a:xfrm>
       </p:grpSpPr>
-      <p:sp>
-        <p:nvSpPr>
-          <p:cNvPr id="6" name="TextBox 5">
-            <a:extLst>
-              <a:ext uri="{FF2B5EF4-FFF2-40B4-BE49-F238E27FC236}">
-                <a16:creationId xmlns:a16="http://schemas.microsoft.com/office/drawing/2014/main" id="{6933FDF9-D210-0A4A-AD57-9DDAA08780E5}"/>
-              </a:ext>
-            </a:extLst>
-          </p:cNvPr>
-          <p:cNvSpPr txBox="1"/>
+      <p:grpSp>
+        <p:nvGrpSpPr>
+          <p:cNvPr id="3" name="Group 2">
+            <a:extLst>
+              <a:ext uri="{FF2B5EF4-FFF2-40B4-BE49-F238E27FC236}">
+                <a16:creationId xmlns:a16="http://schemas.microsoft.com/office/drawing/2014/main" id="{85724410-0DCF-BF4E-A7D1-D7B997475717}"/>
+              </a:ext>
+            </a:extLst>
+          </p:cNvPr>
+          <p:cNvGrpSpPr/>
           <p:nvPr/>
-        </p:nvSpPr>
-        <p:spPr>
+        </p:nvGrpSpPr>
+        <p:grpSpPr>
           <a:xfrm>
             <a:off x="465438" y="736182"/>
             <a:ext cx="11224054" cy="5450837"/>
+            <a:chOff x="465438" y="736182"/>
+            <a:chExt cx="11224054" cy="5450837"/>
           </a:xfrm>
-          <a:prstGeom prst="rect">
-            <a:avLst/>
-          </a:prstGeom>
-          <a:noFill/>
-          <a:ln w="12700">
-            <a:solidFill>
+        </p:grpSpPr>
+        <p:sp>
+          <p:nvSpPr>
+            <p:cNvPr id="6" name="TextBox 5">
+              <a:extLst>
+                <a:ext uri="{FF2B5EF4-FFF2-40B4-BE49-F238E27FC236}">
+                  <a16:creationId xmlns:a16="http://schemas.microsoft.com/office/drawing/2014/main" id="{6933FDF9-D210-0A4A-AD57-9DDAA08780E5}"/>
+                </a:ext>
+              </a:extLst>
+            </p:cNvPr>
+            <p:cNvSpPr txBox="1"/>
+            <p:nvPr/>
+          </p:nvSpPr>
+          <p:spPr>
+            <a:xfrm>
+              <a:off x="465438" y="736182"/>
+              <a:ext cx="11224054" cy="5450837"/>
+            </a:xfrm>
+            <a:prstGeom prst="rect">
+              <a:avLst/>
+            </a:prstGeom>
+            <a:noFill/>
+            <a:ln w="12700">
+              <a:solidFill>
+                <a:schemeClr val="accent1">
+                  <a:shade val="50000"/>
+                </a:schemeClr>
+              </a:solidFill>
+            </a:ln>
+          </p:spPr>
+          <p:txBody>
+            <a:bodyPr wrap="square" rtlCol="0">
+              <a:spAutoFit/>
+            </a:bodyPr>
+            <a:lstStyle/>
+            <a:p>
+              <a:endParaRPr lang="en-SE" dirty="0"/>
+            </a:p>
+          </p:txBody>
+        </p:sp>
+        <p:cxnSp>
+          <p:nvCxnSpPr>
+            <p:cNvPr id="8" name="Straight Connector 7">
+              <a:extLst>
+                <a:ext uri="{FF2B5EF4-FFF2-40B4-BE49-F238E27FC236}">
+                  <a16:creationId xmlns:a16="http://schemas.microsoft.com/office/drawing/2014/main" id="{E655A8B6-B607-E242-86A2-A4488528359B}"/>
+                </a:ext>
+              </a:extLst>
+            </p:cNvPr>
+            <p:cNvCxnSpPr>
+              <a:cxnSpLocks/>
+              <a:stCxn id="6" idx="0"/>
+              <a:endCxn id="6" idx="2"/>
+            </p:cNvCxnSpPr>
+            <p:nvPr/>
+          </p:nvCxnSpPr>
+          <p:spPr>
+            <a:xfrm>
+              <a:off x="6077465" y="736182"/>
+              <a:ext cx="0" cy="5450837"/>
+            </a:xfrm>
+            <a:prstGeom prst="line">
+              <a:avLst/>
+            </a:prstGeom>
+            <a:ln w="12700">
+              <a:solidFill>
+                <a:schemeClr val="tx1"/>
+              </a:solidFill>
+            </a:ln>
+          </p:spPr>
+          <p:style>
+            <a:lnRef idx="1">
+              <a:schemeClr val="accent1"/>
+            </a:lnRef>
+            <a:fillRef idx="0">
+              <a:schemeClr val="accent1"/>
+            </a:fillRef>
+            <a:effectRef idx="0">
+              <a:schemeClr val="accent1"/>
+            </a:effectRef>
+            <a:fontRef idx="minor">
+              <a:schemeClr val="tx1"/>
+            </a:fontRef>
+          </p:style>
+        </p:cxnSp>
+        <p:sp>
+          <p:nvSpPr>
+            <p:cNvPr id="11" name="Rectangle 10">
+              <a:extLst>
+                <a:ext uri="{FF2B5EF4-FFF2-40B4-BE49-F238E27FC236}">
+                  <a16:creationId xmlns:a16="http://schemas.microsoft.com/office/drawing/2014/main" id="{458C7793-2E5F-D74C-94C4-E8A599D09E98}"/>
+                </a:ext>
+              </a:extLst>
+            </p:cNvPr>
+            <p:cNvSpPr/>
+            <p:nvPr/>
+          </p:nvSpPr>
+          <p:spPr>
+            <a:xfrm>
+              <a:off x="848498" y="1145741"/>
+              <a:ext cx="4639960" cy="2031325"/>
+            </a:xfrm>
+            <a:prstGeom prst="rect">
+              <a:avLst/>
+            </a:prstGeom>
+          </p:spPr>
+          <p:txBody>
+            <a:bodyPr wrap="square">
+              <a:spAutoFit/>
+            </a:bodyPr>
+            <a:lstStyle/>
+            <a:p>
+              <a:r>
+                <a:rPr lang="en-GB" b="0" i="0" dirty="0">
+                  <a:solidFill>
+                    <a:srgbClr val="333333"/>
+                  </a:solidFill>
+                  <a:effectLst/>
+                  <a:latin typeface="Helvetica Neue" panose="02000503000000020004" pitchFamily="2" charset="0"/>
+                </a:rPr>
+                <a:t>Which </a:t>
+              </a:r>
+              <a:r>
+                <a:rPr lang="en-GB" b="0" i="0" dirty="0" err="1">
+                  <a:solidFill>
+                    <a:srgbClr val="333333"/>
+                  </a:solidFill>
+                  <a:effectLst/>
+                  <a:latin typeface="Helvetica Neue" panose="02000503000000020004" pitchFamily="2" charset="0"/>
+                </a:rPr>
+                <a:t>DataFrame</a:t>
+              </a:r>
+              <a:r>
+                <a:rPr lang="en-GB" b="0" i="0" dirty="0">
+                  <a:solidFill>
+                    <a:srgbClr val="333333"/>
+                  </a:solidFill>
+                  <a:effectLst/>
+                  <a:latin typeface="Helvetica Neue" panose="02000503000000020004" pitchFamily="2" charset="0"/>
+                </a:rPr>
+                <a:t> operation does not result in a shuffle?</a:t>
+              </a:r>
+            </a:p>
+            <a:p>
+              <a:pPr marL="800100" lvl="1" indent="-342900">
+                <a:buFont typeface="+mj-lt"/>
+                <a:buAutoNum type="alphaLcPeriod"/>
+              </a:pPr>
+              <a:r>
+                <a:rPr lang="en-GB" b="0" i="0" dirty="0">
+                  <a:solidFill>
+                    <a:srgbClr val="333333"/>
+                  </a:solidFill>
+                  <a:effectLst/>
+                  <a:latin typeface="Helvetica Neue" panose="02000503000000020004" pitchFamily="2" charset="0"/>
+                </a:rPr>
+                <a:t>filter()</a:t>
+              </a:r>
+            </a:p>
+            <a:p>
+              <a:pPr marL="800100" lvl="1" indent="-342900">
+                <a:buFont typeface="+mj-lt"/>
+                <a:buAutoNum type="alphaLcPeriod"/>
+              </a:pPr>
+              <a:r>
+                <a:rPr lang="en-GB" b="0" i="0" dirty="0" err="1">
+                  <a:solidFill>
+                    <a:srgbClr val="333333"/>
+                  </a:solidFill>
+                  <a:effectLst/>
+                  <a:latin typeface="Helvetica Neue" panose="02000503000000020004" pitchFamily="2" charset="0"/>
+                </a:rPr>
+                <a:t>orderBy</a:t>
+              </a:r>
+              <a:r>
+                <a:rPr lang="en-GB" b="0" i="0" dirty="0">
+                  <a:solidFill>
+                    <a:srgbClr val="333333"/>
+                  </a:solidFill>
+                  <a:effectLst/>
+                  <a:latin typeface="Helvetica Neue" panose="02000503000000020004" pitchFamily="2" charset="0"/>
+                </a:rPr>
+                <a:t>() </a:t>
+              </a:r>
+            </a:p>
+            <a:p>
+              <a:pPr marL="800100" lvl="1" indent="-342900">
+                <a:buFont typeface="+mj-lt"/>
+                <a:buAutoNum type="alphaLcPeriod"/>
+              </a:pPr>
+              <a:r>
+                <a:rPr lang="en-GB" b="0" i="0" dirty="0">
+                  <a:solidFill>
+                    <a:srgbClr val="333333"/>
+                  </a:solidFill>
+                  <a:effectLst/>
+                  <a:latin typeface="Helvetica Neue" panose="02000503000000020004" pitchFamily="2" charset="0"/>
+                </a:rPr>
+                <a:t>distinct() </a:t>
+              </a:r>
+            </a:p>
+            <a:p>
+              <a:pPr marL="800100" lvl="1" indent="-342900">
+                <a:buFont typeface="+mj-lt"/>
+                <a:buAutoNum type="alphaLcPeriod"/>
+              </a:pPr>
+              <a:r>
+                <a:rPr lang="en-GB" b="0" i="0" dirty="0">
+                  <a:solidFill>
+                    <a:srgbClr val="333333"/>
+                  </a:solidFill>
+                  <a:effectLst/>
+                  <a:latin typeface="Helvetica Neue" panose="02000503000000020004" pitchFamily="2" charset="0"/>
+                </a:rPr>
+                <a:t>repartition() </a:t>
+              </a:r>
+            </a:p>
+            <a:p>
+              <a:pPr marL="800100" lvl="1" indent="-342900">
+                <a:buFont typeface="+mj-lt"/>
+                <a:buAutoNum type="alphaLcPeriod"/>
+              </a:pPr>
+              <a:r>
+                <a:rPr lang="en-GB" b="0" i="0" dirty="0">
+                  <a:solidFill>
+                    <a:srgbClr val="333333"/>
+                  </a:solidFill>
+                  <a:effectLst/>
+                  <a:latin typeface="Helvetica Neue" panose="02000503000000020004" pitchFamily="2" charset="0"/>
+                </a:rPr>
+                <a:t>sort()</a:t>
+              </a:r>
+            </a:p>
+          </p:txBody>
+        </p:sp>
+        <p:sp>
+          <p:nvSpPr>
+            <p:cNvPr id="13" name="Rectangle 12">
+              <a:extLst>
+                <a:ext uri="{FF2B5EF4-FFF2-40B4-BE49-F238E27FC236}">
+                  <a16:creationId xmlns:a16="http://schemas.microsoft.com/office/drawing/2014/main" id="{9A5CB22F-0D6A-AA4E-97AB-4F36468C99E1}"/>
+                </a:ext>
+              </a:extLst>
+            </p:cNvPr>
+            <p:cNvSpPr/>
+            <p:nvPr/>
+          </p:nvSpPr>
+          <p:spPr>
+            <a:xfrm>
+              <a:off x="1066800" y="1832919"/>
+              <a:ext cx="185351" cy="135924"/>
+            </a:xfrm>
+            <a:prstGeom prst="rect">
+              <a:avLst/>
+            </a:prstGeom>
+            <a:noFill/>
+          </p:spPr>
+          <p:style>
+            <a:lnRef idx="2">
               <a:schemeClr val="accent1">
                 <a:shade val="50000"/>
               </a:schemeClr>
-            </a:solidFill>
-          </a:ln>
-        </p:spPr>
-        <p:txBody>
-          <a:bodyPr wrap="square" rtlCol="0">
-            <a:spAutoFit/>
-          </a:bodyPr>
-          <a:lstStyle/>
-          <a:p>
-            <a:endParaRPr lang="en-SE" dirty="0"/>
-          </a:p>
-        </p:txBody>
-      </p:sp>
-      <p:cxnSp>
-        <p:nvCxnSpPr>
-          <p:cNvPr id="8" name="Straight Connector 7">
-            <a:extLst>
-              <a:ext uri="{FF2B5EF4-FFF2-40B4-BE49-F238E27FC236}">
-                <a16:creationId xmlns:a16="http://schemas.microsoft.com/office/drawing/2014/main" id="{E655A8B6-B607-E242-86A2-A4488528359B}"/>
-              </a:ext>
-            </a:extLst>
-          </p:cNvPr>
-          <p:cNvCxnSpPr>
-            <a:cxnSpLocks/>
-            <a:stCxn id="6" idx="0"/>
-            <a:endCxn id="6" idx="2"/>
-          </p:cNvCxnSpPr>
-          <p:nvPr/>
-        </p:nvCxnSpPr>
-        <p:spPr>
-          <a:xfrm>
-            <a:off x="6077465" y="736182"/>
-            <a:ext cx="0" cy="5450837"/>
-          </a:xfrm>
-          <a:prstGeom prst="line">
-            <a:avLst/>
-          </a:prstGeom>
-          <a:ln w="12700">
-            <a:solidFill>
-              <a:schemeClr val="tx1"/>
-            </a:solidFill>
-          </a:ln>
-        </p:spPr>
-        <p:style>
-          <a:lnRef idx="1">
-            <a:schemeClr val="accent1"/>
-          </a:lnRef>
-          <a:fillRef idx="0">
-            <a:schemeClr val="accent1"/>
-          </a:fillRef>
-          <a:effectRef idx="0">
-            <a:schemeClr val="accent1"/>
-          </a:effectRef>
-          <a:fontRef idx="minor">
-            <a:schemeClr val="tx1"/>
-          </a:fontRef>
-        </p:style>
-      </p:cxnSp>
-      <p:sp>
-        <p:nvSpPr>
-          <p:cNvPr id="11" name="Rectangle 10">
-            <a:extLst>
-              <a:ext uri="{FF2B5EF4-FFF2-40B4-BE49-F238E27FC236}">
-                <a16:creationId xmlns:a16="http://schemas.microsoft.com/office/drawing/2014/main" id="{458C7793-2E5F-D74C-94C4-E8A599D09E98}"/>
-              </a:ext>
-            </a:extLst>
-          </p:cNvPr>
-          <p:cNvSpPr/>
-          <p:nvPr/>
-        </p:nvSpPr>
-        <p:spPr>
-          <a:xfrm>
-            <a:off x="848498" y="1145741"/>
-            <a:ext cx="4639960" cy="2031325"/>
-          </a:xfrm>
-          <a:prstGeom prst="rect">
-            <a:avLst/>
-          </a:prstGeom>
-        </p:spPr>
-        <p:txBody>
-          <a:bodyPr wrap="square">
-            <a:spAutoFit/>
-          </a:bodyPr>
-          <a:lstStyle/>
-          <a:p>
-            <a:r>
-              <a:rPr lang="en-GB" b="0" i="0" dirty="0">
-                <a:solidFill>
-                  <a:srgbClr val="333333"/>
-                </a:solidFill>
-                <a:effectLst/>
-                <a:latin typeface="Helvetica Neue" panose="02000503000000020004" pitchFamily="2" charset="0"/>
-              </a:rPr>
-              <a:t>Which </a:t>
-            </a:r>
-            <a:r>
-              <a:rPr lang="en-GB" b="0" i="0" dirty="0" err="1">
-                <a:solidFill>
-                  <a:srgbClr val="333333"/>
-                </a:solidFill>
-                <a:effectLst/>
-                <a:latin typeface="Helvetica Neue" panose="02000503000000020004" pitchFamily="2" charset="0"/>
-              </a:rPr>
-              <a:t>DataFrame</a:t>
-            </a:r>
-            <a:r>
-              <a:rPr lang="en-GB" b="0" i="0" dirty="0">
-                <a:solidFill>
-                  <a:srgbClr val="333333"/>
-                </a:solidFill>
-                <a:effectLst/>
-                <a:latin typeface="Helvetica Neue" panose="02000503000000020004" pitchFamily="2" charset="0"/>
-              </a:rPr>
-              <a:t> operation does not result in a shuffle?</a:t>
-            </a:r>
-          </a:p>
-          <a:p>
-            <a:pPr marL="800100" lvl="1" indent="-342900">
-              <a:buFont typeface="+mj-lt"/>
-              <a:buAutoNum type="alphaLcPeriod"/>
-            </a:pPr>
-            <a:r>
-              <a:rPr lang="en-GB" b="0" i="0" dirty="0">
-                <a:solidFill>
-                  <a:srgbClr val="333333"/>
-                </a:solidFill>
-                <a:effectLst/>
-                <a:latin typeface="Helvetica Neue" panose="02000503000000020004" pitchFamily="2" charset="0"/>
-              </a:rPr>
-              <a:t>filter()</a:t>
-            </a:r>
-          </a:p>
-          <a:p>
-            <a:pPr marL="800100" lvl="1" indent="-342900">
-              <a:buFont typeface="+mj-lt"/>
-              <a:buAutoNum type="alphaLcPeriod"/>
-            </a:pPr>
-            <a:r>
-              <a:rPr lang="en-GB" b="0" i="0" dirty="0" err="1">
-                <a:solidFill>
-                  <a:srgbClr val="333333"/>
-                </a:solidFill>
-                <a:effectLst/>
-                <a:latin typeface="Helvetica Neue" panose="02000503000000020004" pitchFamily="2" charset="0"/>
-              </a:rPr>
-              <a:t>orderBy</a:t>
-            </a:r>
-            <a:r>
-              <a:rPr lang="en-GB" b="0" i="0" dirty="0">
-                <a:solidFill>
-                  <a:srgbClr val="333333"/>
-                </a:solidFill>
-                <a:effectLst/>
-                <a:latin typeface="Helvetica Neue" panose="02000503000000020004" pitchFamily="2" charset="0"/>
-              </a:rPr>
-              <a:t>() </a:t>
-            </a:r>
-          </a:p>
-          <a:p>
-            <a:pPr marL="800100" lvl="1" indent="-342900">
-              <a:buFont typeface="+mj-lt"/>
-              <a:buAutoNum type="alphaLcPeriod"/>
-            </a:pPr>
-            <a:r>
-              <a:rPr lang="en-GB" b="0" i="0" dirty="0">
-                <a:solidFill>
-                  <a:srgbClr val="333333"/>
-                </a:solidFill>
-                <a:effectLst/>
-                <a:latin typeface="Helvetica Neue" panose="02000503000000020004" pitchFamily="2" charset="0"/>
-              </a:rPr>
-              <a:t>distinct() </a:t>
-            </a:r>
-          </a:p>
-          <a:p>
-            <a:pPr marL="800100" lvl="1" indent="-342900">
-              <a:buFont typeface="+mj-lt"/>
-              <a:buAutoNum type="alphaLcPeriod"/>
-            </a:pPr>
-            <a:r>
-              <a:rPr lang="en-GB" b="0" i="0" dirty="0">
-                <a:solidFill>
-                  <a:srgbClr val="333333"/>
-                </a:solidFill>
-                <a:effectLst/>
-                <a:latin typeface="Helvetica Neue" panose="02000503000000020004" pitchFamily="2" charset="0"/>
-              </a:rPr>
-              <a:t>repartition() </a:t>
-            </a:r>
-          </a:p>
-          <a:p>
-            <a:pPr marL="800100" lvl="1" indent="-342900">
-              <a:buFont typeface="+mj-lt"/>
-              <a:buAutoNum type="alphaLcPeriod"/>
-            </a:pPr>
-            <a:r>
-              <a:rPr lang="en-GB" b="0" i="0" dirty="0">
-                <a:solidFill>
-                  <a:srgbClr val="333333"/>
-                </a:solidFill>
-                <a:effectLst/>
-                <a:latin typeface="Helvetica Neue" panose="02000503000000020004" pitchFamily="2" charset="0"/>
-              </a:rPr>
-              <a:t>sort()</a:t>
-            </a:r>
-          </a:p>
-        </p:txBody>
-      </p:sp>
-      <p:sp>
-        <p:nvSpPr>
-          <p:cNvPr id="13" name="Rectangle 12">
-            <a:extLst>
-              <a:ext uri="{FF2B5EF4-FFF2-40B4-BE49-F238E27FC236}">
-                <a16:creationId xmlns:a16="http://schemas.microsoft.com/office/drawing/2014/main" id="{9A5CB22F-0D6A-AA4E-97AB-4F36468C99E1}"/>
-              </a:ext>
-            </a:extLst>
-          </p:cNvPr>
-          <p:cNvSpPr/>
-          <p:nvPr/>
-        </p:nvSpPr>
-        <p:spPr>
-          <a:xfrm>
-            <a:off x="1066800" y="1832919"/>
-            <a:ext cx="185351" cy="135924"/>
-          </a:xfrm>
-          <a:prstGeom prst="rect">
-            <a:avLst/>
-          </a:prstGeom>
-          <a:noFill/>
-        </p:spPr>
-        <p:style>
-          <a:lnRef idx="2">
-            <a:schemeClr val="accent1">
-              <a:shade val="50000"/>
-            </a:schemeClr>
-          </a:lnRef>
-          <a:fillRef idx="1">
-            <a:schemeClr val="accent1"/>
-          </a:fillRef>
-          <a:effectRef idx="0">
-            <a:schemeClr val="accent1"/>
-          </a:effectRef>
-          <a:fontRef idx="minor">
-            <a:schemeClr val="lt1"/>
-          </a:fontRef>
-        </p:style>
-        <p:txBody>
-          <a:bodyPr rtlCol="0" anchor="ctr"/>
-          <a:lstStyle/>
-          <a:p>
-            <a:pPr algn="ctr"/>
-            <a:endParaRPr lang="en-SE"/>
-          </a:p>
-        </p:txBody>
-      </p:sp>
-      <p:sp>
-        <p:nvSpPr>
-          <p:cNvPr id="14" name="Rectangle 13">
-            <a:extLst>
-              <a:ext uri="{FF2B5EF4-FFF2-40B4-BE49-F238E27FC236}">
-                <a16:creationId xmlns:a16="http://schemas.microsoft.com/office/drawing/2014/main" id="{C4E04978-74A1-1742-8995-E239B22F1E30}"/>
-              </a:ext>
-            </a:extLst>
-          </p:cNvPr>
-          <p:cNvSpPr/>
-          <p:nvPr/>
-        </p:nvSpPr>
-        <p:spPr>
-          <a:xfrm>
-            <a:off x="1070918" y="2096532"/>
-            <a:ext cx="185351" cy="135924"/>
-          </a:xfrm>
-          <a:prstGeom prst="rect">
-            <a:avLst/>
-          </a:prstGeom>
-          <a:noFill/>
-        </p:spPr>
-        <p:style>
-          <a:lnRef idx="2">
-            <a:schemeClr val="accent1">
-              <a:shade val="50000"/>
-            </a:schemeClr>
-          </a:lnRef>
-          <a:fillRef idx="1">
-            <a:schemeClr val="accent1"/>
-          </a:fillRef>
-          <a:effectRef idx="0">
-            <a:schemeClr val="accent1"/>
-          </a:effectRef>
-          <a:fontRef idx="minor">
-            <a:schemeClr val="lt1"/>
-          </a:fontRef>
-        </p:style>
-        <p:txBody>
-          <a:bodyPr rtlCol="0" anchor="ctr"/>
-          <a:lstStyle/>
-          <a:p>
-            <a:pPr algn="ctr"/>
-            <a:endParaRPr lang="en-SE"/>
-          </a:p>
-        </p:txBody>
-      </p:sp>
-      <p:sp>
-        <p:nvSpPr>
-          <p:cNvPr id="15" name="Rectangle 14">
-            <a:extLst>
-              <a:ext uri="{FF2B5EF4-FFF2-40B4-BE49-F238E27FC236}">
-                <a16:creationId xmlns:a16="http://schemas.microsoft.com/office/drawing/2014/main" id="{EF8BA64D-5F60-B44D-8DD9-E02846848F7C}"/>
-              </a:ext>
-            </a:extLst>
-          </p:cNvPr>
-          <p:cNvSpPr/>
-          <p:nvPr/>
-        </p:nvSpPr>
-        <p:spPr>
-          <a:xfrm>
-            <a:off x="1075037" y="2372501"/>
-            <a:ext cx="185351" cy="135924"/>
-          </a:xfrm>
-          <a:prstGeom prst="rect">
-            <a:avLst/>
-          </a:prstGeom>
-          <a:noFill/>
-        </p:spPr>
-        <p:style>
-          <a:lnRef idx="2">
-            <a:schemeClr val="accent1">
-              <a:shade val="50000"/>
-            </a:schemeClr>
-          </a:lnRef>
-          <a:fillRef idx="1">
-            <a:schemeClr val="accent1"/>
-          </a:fillRef>
-          <a:effectRef idx="0">
-            <a:schemeClr val="accent1"/>
-          </a:effectRef>
-          <a:fontRef idx="minor">
-            <a:schemeClr val="lt1"/>
-          </a:fontRef>
-        </p:style>
-        <p:txBody>
-          <a:bodyPr rtlCol="0" anchor="ctr"/>
-          <a:lstStyle/>
-          <a:p>
-            <a:pPr algn="ctr"/>
-            <a:endParaRPr lang="en-SE"/>
-          </a:p>
-        </p:txBody>
-      </p:sp>
-      <p:sp>
-        <p:nvSpPr>
-          <p:cNvPr id="16" name="Rectangle 15">
-            <a:extLst>
-              <a:ext uri="{FF2B5EF4-FFF2-40B4-BE49-F238E27FC236}">
-                <a16:creationId xmlns:a16="http://schemas.microsoft.com/office/drawing/2014/main" id="{E79C918A-43F6-F64E-9CD2-D49989A5C47E}"/>
-              </a:ext>
-            </a:extLst>
-          </p:cNvPr>
-          <p:cNvSpPr/>
-          <p:nvPr/>
-        </p:nvSpPr>
-        <p:spPr>
-          <a:xfrm>
-            <a:off x="1075037" y="2648470"/>
-            <a:ext cx="185351" cy="135924"/>
-          </a:xfrm>
-          <a:prstGeom prst="rect">
-            <a:avLst/>
-          </a:prstGeom>
-          <a:noFill/>
-        </p:spPr>
-        <p:style>
-          <a:lnRef idx="2">
-            <a:schemeClr val="accent1">
-              <a:shade val="50000"/>
-            </a:schemeClr>
-          </a:lnRef>
-          <a:fillRef idx="1">
-            <a:schemeClr val="accent1"/>
-          </a:fillRef>
-          <a:effectRef idx="0">
-            <a:schemeClr val="accent1"/>
-          </a:effectRef>
-          <a:fontRef idx="minor">
-            <a:schemeClr val="lt1"/>
-          </a:fontRef>
-        </p:style>
-        <p:txBody>
-          <a:bodyPr rtlCol="0" anchor="ctr"/>
-          <a:lstStyle/>
-          <a:p>
-            <a:pPr algn="ctr"/>
-            <a:endParaRPr lang="en-SE"/>
-          </a:p>
-        </p:txBody>
-      </p:sp>
-      <p:sp>
-        <p:nvSpPr>
-          <p:cNvPr id="17" name="Rectangle 16">
-            <a:extLst>
-              <a:ext uri="{FF2B5EF4-FFF2-40B4-BE49-F238E27FC236}">
-                <a16:creationId xmlns:a16="http://schemas.microsoft.com/office/drawing/2014/main" id="{2CA53DF0-E496-FB44-9742-E584F5ACD87D}"/>
-              </a:ext>
-            </a:extLst>
-          </p:cNvPr>
-          <p:cNvSpPr/>
-          <p:nvPr/>
-        </p:nvSpPr>
-        <p:spPr>
-          <a:xfrm>
-            <a:off x="1075037" y="2919634"/>
-            <a:ext cx="185351" cy="135924"/>
-          </a:xfrm>
-          <a:prstGeom prst="rect">
-            <a:avLst/>
-          </a:prstGeom>
-          <a:noFill/>
-        </p:spPr>
-        <p:style>
-          <a:lnRef idx="2">
-            <a:schemeClr val="accent1">
-              <a:shade val="50000"/>
-            </a:schemeClr>
-          </a:lnRef>
-          <a:fillRef idx="1">
-            <a:schemeClr val="accent1"/>
-          </a:fillRef>
-          <a:effectRef idx="0">
-            <a:schemeClr val="accent1"/>
-          </a:effectRef>
-          <a:fontRef idx="minor">
-            <a:schemeClr val="lt1"/>
-          </a:fontRef>
-        </p:style>
-        <p:txBody>
-          <a:bodyPr rtlCol="0" anchor="ctr"/>
-          <a:lstStyle/>
-          <a:p>
-            <a:pPr algn="ctr"/>
-            <a:endParaRPr lang="en-SE"/>
-          </a:p>
-        </p:txBody>
-      </p:sp>
-      <p:sp>
-        <p:nvSpPr>
-          <p:cNvPr id="18" name="Rectangle 17">
-            <a:extLst>
-              <a:ext uri="{FF2B5EF4-FFF2-40B4-BE49-F238E27FC236}">
-                <a16:creationId xmlns:a16="http://schemas.microsoft.com/office/drawing/2014/main" id="{8C137BB6-9219-214D-BEC1-75A0DADA26CB}"/>
-              </a:ext>
-            </a:extLst>
-          </p:cNvPr>
-          <p:cNvSpPr/>
-          <p:nvPr/>
-        </p:nvSpPr>
-        <p:spPr>
-          <a:xfrm>
-            <a:off x="2842053" y="3461601"/>
-            <a:ext cx="976185" cy="438665"/>
-          </a:xfrm>
-          <a:prstGeom prst="rect">
-            <a:avLst/>
-          </a:prstGeom>
-        </p:spPr>
-        <p:style>
-          <a:lnRef idx="2">
-            <a:schemeClr val="accent1">
-              <a:shade val="50000"/>
-            </a:schemeClr>
-          </a:lnRef>
-          <a:fillRef idx="1">
-            <a:schemeClr val="accent1"/>
-          </a:fillRef>
-          <a:effectRef idx="0">
-            <a:schemeClr val="accent1"/>
-          </a:effectRef>
-          <a:fontRef idx="minor">
-            <a:schemeClr val="lt1"/>
-          </a:fontRef>
-        </p:style>
-        <p:txBody>
-          <a:bodyPr rtlCol="0" anchor="ctr"/>
-          <a:lstStyle/>
-          <a:p>
-            <a:pPr algn="ctr"/>
-            <a:r>
-              <a:rPr lang="en-SE" dirty="0"/>
-              <a:t>Prev</a:t>
-            </a:r>
-          </a:p>
-        </p:txBody>
-      </p:sp>
-      <p:sp>
-        <p:nvSpPr>
-          <p:cNvPr id="19" name="Rectangle 18">
-            <a:extLst>
-              <a:ext uri="{FF2B5EF4-FFF2-40B4-BE49-F238E27FC236}">
-                <a16:creationId xmlns:a16="http://schemas.microsoft.com/office/drawing/2014/main" id="{A73212EB-C5BC-2541-B5E3-D35A5D08DE59}"/>
-              </a:ext>
-            </a:extLst>
-          </p:cNvPr>
-          <p:cNvSpPr/>
-          <p:nvPr/>
-        </p:nvSpPr>
-        <p:spPr>
-          <a:xfrm>
-            <a:off x="4003589" y="3461602"/>
-            <a:ext cx="976185" cy="438665"/>
-          </a:xfrm>
-          <a:prstGeom prst="rect">
-            <a:avLst/>
-          </a:prstGeom>
-        </p:spPr>
-        <p:style>
-          <a:lnRef idx="2">
-            <a:schemeClr val="accent1">
-              <a:shade val="50000"/>
-            </a:schemeClr>
-          </a:lnRef>
-          <a:fillRef idx="1">
-            <a:schemeClr val="accent1"/>
-          </a:fillRef>
-          <a:effectRef idx="0">
-            <a:schemeClr val="accent1"/>
-          </a:effectRef>
-          <a:fontRef idx="minor">
-            <a:schemeClr val="lt1"/>
-          </a:fontRef>
-        </p:style>
-        <p:txBody>
-          <a:bodyPr rtlCol="0" anchor="ctr"/>
-          <a:lstStyle/>
-          <a:p>
-            <a:pPr algn="ctr"/>
-            <a:r>
-              <a:rPr lang="en-SE" dirty="0"/>
-              <a:t>Next</a:t>
-            </a:r>
-          </a:p>
-        </p:txBody>
-      </p:sp>
-      <p:sp>
-        <p:nvSpPr>
-          <p:cNvPr id="20" name="Rectangle 19">
-            <a:extLst>
-              <a:ext uri="{FF2B5EF4-FFF2-40B4-BE49-F238E27FC236}">
-                <a16:creationId xmlns:a16="http://schemas.microsoft.com/office/drawing/2014/main" id="{6DFB9AB7-910F-F54C-B86A-3132C3C552A8}"/>
-              </a:ext>
-            </a:extLst>
-          </p:cNvPr>
-          <p:cNvSpPr/>
-          <p:nvPr/>
-        </p:nvSpPr>
-        <p:spPr>
-          <a:xfrm>
-            <a:off x="1075037" y="3577291"/>
-            <a:ext cx="185351" cy="135924"/>
-          </a:xfrm>
-          <a:prstGeom prst="rect">
-            <a:avLst/>
-          </a:prstGeom>
-          <a:noFill/>
-        </p:spPr>
-        <p:style>
-          <a:lnRef idx="2">
-            <a:schemeClr val="accent1">
-              <a:shade val="50000"/>
-            </a:schemeClr>
-          </a:lnRef>
-          <a:fillRef idx="1">
-            <a:schemeClr val="accent1"/>
-          </a:fillRef>
-          <a:effectRef idx="0">
-            <a:schemeClr val="accent1"/>
-          </a:effectRef>
-          <a:fontRef idx="minor">
-            <a:schemeClr val="lt1"/>
-          </a:fontRef>
-        </p:style>
-        <p:txBody>
-          <a:bodyPr rtlCol="0" anchor="ctr"/>
-          <a:lstStyle/>
-          <a:p>
-            <a:pPr algn="ctr"/>
-            <a:endParaRPr lang="en-SE"/>
-          </a:p>
-        </p:txBody>
-      </p:sp>
-      <p:sp>
-        <p:nvSpPr>
-          <p:cNvPr id="26" name="TextBox 25">
-            <a:extLst>
-              <a:ext uri="{FF2B5EF4-FFF2-40B4-BE49-F238E27FC236}">
-                <a16:creationId xmlns:a16="http://schemas.microsoft.com/office/drawing/2014/main" id="{62A98682-012D-8146-BAA2-1175A2073CFE}"/>
-              </a:ext>
-            </a:extLst>
-          </p:cNvPr>
-          <p:cNvSpPr txBox="1"/>
-          <p:nvPr/>
-        </p:nvSpPr>
-        <p:spPr>
-          <a:xfrm>
-            <a:off x="1260388" y="3461601"/>
-            <a:ext cx="856388" cy="369332"/>
-          </a:xfrm>
-          <a:prstGeom prst="rect">
-            <a:avLst/>
-          </a:prstGeom>
-          <a:noFill/>
-        </p:spPr>
-        <p:txBody>
-          <a:bodyPr wrap="none" rtlCol="0">
-            <a:spAutoFit/>
-          </a:bodyPr>
-          <a:lstStyle/>
-          <a:p>
-            <a:r>
-              <a:rPr lang="en-SE" dirty="0"/>
-              <a:t>Review</a:t>
-            </a:r>
-          </a:p>
-        </p:txBody>
-      </p:sp>
-      <p:sp>
-        <p:nvSpPr>
-          <p:cNvPr id="28" name="TextBox 27">
-            <a:extLst>
-              <a:ext uri="{FF2B5EF4-FFF2-40B4-BE49-F238E27FC236}">
-                <a16:creationId xmlns:a16="http://schemas.microsoft.com/office/drawing/2014/main" id="{0410F1ED-5278-B44F-B14D-7DFB9BA38B0A}"/>
-              </a:ext>
-            </a:extLst>
-          </p:cNvPr>
-          <p:cNvSpPr txBox="1"/>
-          <p:nvPr/>
-        </p:nvSpPr>
-        <p:spPr>
-          <a:xfrm>
-            <a:off x="6190733" y="5462925"/>
-            <a:ext cx="4740878" cy="646331"/>
-          </a:xfrm>
-          <a:prstGeom prst="rect">
-            <a:avLst/>
-          </a:prstGeom>
-          <a:noFill/>
-          <a:ln w="12700">
-            <a:solidFill>
+            </a:lnRef>
+            <a:fillRef idx="1">
+              <a:schemeClr val="accent1"/>
+            </a:fillRef>
+            <a:effectRef idx="0">
+              <a:schemeClr val="accent1"/>
+            </a:effectRef>
+            <a:fontRef idx="minor">
+              <a:schemeClr val="lt1"/>
+            </a:fontRef>
+          </p:style>
+          <p:txBody>
+            <a:bodyPr rtlCol="0" anchor="ctr"/>
+            <a:lstStyle/>
+            <a:p>
+              <a:pPr algn="ctr"/>
+              <a:endParaRPr lang="en-SE"/>
+            </a:p>
+          </p:txBody>
+        </p:sp>
+        <p:sp>
+          <p:nvSpPr>
+            <p:cNvPr id="14" name="Rectangle 13">
+              <a:extLst>
+                <a:ext uri="{FF2B5EF4-FFF2-40B4-BE49-F238E27FC236}">
+                  <a16:creationId xmlns:a16="http://schemas.microsoft.com/office/drawing/2014/main" id="{C4E04978-74A1-1742-8995-E239B22F1E30}"/>
+                </a:ext>
+              </a:extLst>
+            </p:cNvPr>
+            <p:cNvSpPr/>
+            <p:nvPr/>
+          </p:nvSpPr>
+          <p:spPr>
+            <a:xfrm>
+              <a:off x="1070918" y="2096532"/>
+              <a:ext cx="185351" cy="135924"/>
+            </a:xfrm>
+            <a:prstGeom prst="rect">
+              <a:avLst/>
+            </a:prstGeom>
+            <a:noFill/>
+          </p:spPr>
+          <p:style>
+            <a:lnRef idx="2">
               <a:schemeClr val="accent1">
                 <a:shade val="50000"/>
               </a:schemeClr>
-            </a:solidFill>
-          </a:ln>
-        </p:spPr>
-        <p:txBody>
-          <a:bodyPr wrap="square" rtlCol="0">
-            <a:spAutoFit/>
-          </a:bodyPr>
-          <a:lstStyle/>
-          <a:p>
-            <a:r>
-              <a:rPr lang="en-SE" dirty="0"/>
-              <a:t>Write code here …</a:t>
-            </a:r>
-          </a:p>
-          <a:p>
-            <a:endParaRPr lang="en-SE" dirty="0"/>
-          </a:p>
-        </p:txBody>
-      </p:sp>
-      <p:sp>
-        <p:nvSpPr>
-          <p:cNvPr id="29" name="TextBox 28">
-            <a:extLst>
-              <a:ext uri="{FF2B5EF4-FFF2-40B4-BE49-F238E27FC236}">
-                <a16:creationId xmlns:a16="http://schemas.microsoft.com/office/drawing/2014/main" id="{2A033C72-1243-A944-9A81-BFD3D567F647}"/>
-              </a:ext>
-            </a:extLst>
-          </p:cNvPr>
-          <p:cNvSpPr txBox="1"/>
-          <p:nvPr/>
-        </p:nvSpPr>
-        <p:spPr>
-          <a:xfrm>
-            <a:off x="6188675" y="1463587"/>
-            <a:ext cx="2545492" cy="369332"/>
-          </a:xfrm>
-          <a:prstGeom prst="rect">
-            <a:avLst/>
-          </a:prstGeom>
-          <a:noFill/>
-          <a:ln w="12700">
-            <a:solidFill>
+            </a:lnRef>
+            <a:fillRef idx="1">
+              <a:schemeClr val="accent1"/>
+            </a:fillRef>
+            <a:effectRef idx="0">
+              <a:schemeClr val="accent1"/>
+            </a:effectRef>
+            <a:fontRef idx="minor">
+              <a:schemeClr val="lt1"/>
+            </a:fontRef>
+          </p:style>
+          <p:txBody>
+            <a:bodyPr rtlCol="0" anchor="ctr"/>
+            <a:lstStyle/>
+            <a:p>
+              <a:pPr algn="ctr"/>
+              <a:endParaRPr lang="en-SE"/>
+            </a:p>
+          </p:txBody>
+        </p:sp>
+        <p:sp>
+          <p:nvSpPr>
+            <p:cNvPr id="15" name="Rectangle 14">
+              <a:extLst>
+                <a:ext uri="{FF2B5EF4-FFF2-40B4-BE49-F238E27FC236}">
+                  <a16:creationId xmlns:a16="http://schemas.microsoft.com/office/drawing/2014/main" id="{EF8BA64D-5F60-B44D-8DD9-E02846848F7C}"/>
+                </a:ext>
+              </a:extLst>
+            </p:cNvPr>
+            <p:cNvSpPr/>
+            <p:nvPr/>
+          </p:nvSpPr>
+          <p:spPr>
+            <a:xfrm>
+              <a:off x="1075037" y="2372501"/>
+              <a:ext cx="185351" cy="135924"/>
+            </a:xfrm>
+            <a:prstGeom prst="rect">
+              <a:avLst/>
+            </a:prstGeom>
+            <a:noFill/>
+          </p:spPr>
+          <p:style>
+            <a:lnRef idx="2">
               <a:schemeClr val="accent1">
                 <a:shade val="50000"/>
               </a:schemeClr>
-            </a:solidFill>
-          </a:ln>
-        </p:spPr>
-        <p:txBody>
-          <a:bodyPr wrap="square" rtlCol="0">
-            <a:spAutoFit/>
-          </a:bodyPr>
-          <a:lstStyle/>
-          <a:p>
-            <a:r>
-              <a:rPr lang="en-SE" dirty="0"/>
-              <a:t>Spark SQL</a:t>
-            </a:r>
-          </a:p>
-        </p:txBody>
-      </p:sp>
-      <p:sp>
-        <p:nvSpPr>
-          <p:cNvPr id="30" name="TextBox 29">
-            <a:extLst>
-              <a:ext uri="{FF2B5EF4-FFF2-40B4-BE49-F238E27FC236}">
-                <a16:creationId xmlns:a16="http://schemas.microsoft.com/office/drawing/2014/main" id="{FC43B413-D239-E943-90BA-EA9194649B18}"/>
-              </a:ext>
-            </a:extLst>
-          </p:cNvPr>
-          <p:cNvSpPr txBox="1"/>
-          <p:nvPr/>
-        </p:nvSpPr>
-        <p:spPr>
-          <a:xfrm>
-            <a:off x="6188675" y="1115531"/>
-            <a:ext cx="494046" cy="369332"/>
-          </a:xfrm>
-          <a:prstGeom prst="rect">
-            <a:avLst/>
-          </a:prstGeom>
-          <a:noFill/>
-        </p:spPr>
-        <p:txBody>
-          <a:bodyPr wrap="none" rtlCol="0">
-            <a:spAutoFit/>
-          </a:bodyPr>
-          <a:lstStyle/>
-          <a:p>
-            <a:r>
-              <a:rPr lang="en-SE" dirty="0"/>
-              <a:t>API</a:t>
-            </a:r>
-          </a:p>
-        </p:txBody>
-      </p:sp>
-      <p:sp>
-        <p:nvSpPr>
-          <p:cNvPr id="35" name="TextBox 34">
-            <a:extLst>
-              <a:ext uri="{FF2B5EF4-FFF2-40B4-BE49-F238E27FC236}">
-                <a16:creationId xmlns:a16="http://schemas.microsoft.com/office/drawing/2014/main" id="{EEDAB9C1-FBC1-B440-AE38-BA2D8561FDAA}"/>
-              </a:ext>
-            </a:extLst>
-          </p:cNvPr>
-          <p:cNvSpPr txBox="1"/>
-          <p:nvPr/>
-        </p:nvSpPr>
-        <p:spPr>
-          <a:xfrm>
-            <a:off x="6188675" y="1968843"/>
-            <a:ext cx="5340175" cy="3231654"/>
-          </a:xfrm>
-          <a:prstGeom prst="rect">
-            <a:avLst/>
-          </a:prstGeom>
-          <a:noFill/>
-          <a:ln w="12700">
-            <a:solidFill>
+            </a:lnRef>
+            <a:fillRef idx="1">
+              <a:schemeClr val="accent1"/>
+            </a:fillRef>
+            <a:effectRef idx="0">
+              <a:schemeClr val="accent1"/>
+            </a:effectRef>
+            <a:fontRef idx="minor">
+              <a:schemeClr val="lt1"/>
+            </a:fontRef>
+          </p:style>
+          <p:txBody>
+            <a:bodyPr rtlCol="0" anchor="ctr"/>
+            <a:lstStyle/>
+            <a:p>
+              <a:pPr algn="ctr"/>
+              <a:endParaRPr lang="en-SE"/>
+            </a:p>
+          </p:txBody>
+        </p:sp>
+        <p:sp>
+          <p:nvSpPr>
+            <p:cNvPr id="16" name="Rectangle 15">
+              <a:extLst>
+                <a:ext uri="{FF2B5EF4-FFF2-40B4-BE49-F238E27FC236}">
+                  <a16:creationId xmlns:a16="http://schemas.microsoft.com/office/drawing/2014/main" id="{E79C918A-43F6-F64E-9CD2-D49989A5C47E}"/>
+                </a:ext>
+              </a:extLst>
+            </p:cNvPr>
+            <p:cNvSpPr/>
+            <p:nvPr/>
+          </p:nvSpPr>
+          <p:spPr>
+            <a:xfrm>
+              <a:off x="1075037" y="2648470"/>
+              <a:ext cx="185351" cy="135924"/>
+            </a:xfrm>
+            <a:prstGeom prst="rect">
+              <a:avLst/>
+            </a:prstGeom>
+            <a:noFill/>
+          </p:spPr>
+          <p:style>
+            <a:lnRef idx="2">
               <a:schemeClr val="accent1">
                 <a:shade val="50000"/>
               </a:schemeClr>
-            </a:solidFill>
-          </a:ln>
-        </p:spPr>
-        <p:txBody>
-          <a:bodyPr wrap="square" rtlCol="0">
-            <a:spAutoFit/>
-          </a:bodyPr>
-          <a:lstStyle/>
-          <a:p>
-            <a:r>
-              <a:rPr lang="en-GB" sz="1200" dirty="0" err="1"/>
-              <a:t>DataFrameNaFunctions.drop</a:t>
-            </a:r>
-            <a:r>
-              <a:rPr lang="en-GB" sz="1200" dirty="0">
-                <a:effectLst/>
-              </a:rPr>
-              <a:t>(</a:t>
-            </a:r>
-            <a:r>
-              <a:rPr lang="en-GB" sz="1200" i="1" dirty="0">
-                <a:effectLst/>
-              </a:rPr>
-              <a:t>how='any'</a:t>
-            </a:r>
-            <a:r>
-              <a:rPr lang="en-GB" sz="1200" dirty="0"/>
-              <a:t>, </a:t>
-            </a:r>
-            <a:r>
-              <a:rPr lang="en-GB" sz="1200" i="1" dirty="0">
-                <a:effectLst/>
-              </a:rPr>
-              <a:t>thresh=None</a:t>
-            </a:r>
-            <a:r>
-              <a:rPr lang="en-GB" sz="1200" dirty="0"/>
-              <a:t>, </a:t>
-            </a:r>
-            <a:r>
-              <a:rPr lang="en-GB" sz="1200" i="1" dirty="0">
-                <a:effectLst/>
-              </a:rPr>
-              <a:t>subset=None</a:t>
-            </a:r>
-            <a:r>
-              <a:rPr lang="en-GB" sz="1200" dirty="0">
-                <a:effectLst/>
-              </a:rPr>
-              <a:t>)</a:t>
-            </a:r>
-            <a:r>
-              <a:rPr lang="en-GB" sz="1200" dirty="0">
-                <a:hlinkClick r:id="rId2"/>
-              </a:rPr>
-              <a:t>[source]</a:t>
-            </a:r>
-            <a:endParaRPr lang="en-GB" sz="1200" dirty="0"/>
-          </a:p>
-          <a:p>
-            <a:r>
-              <a:rPr lang="en-GB" sz="1200" dirty="0">
-                <a:effectLst/>
-              </a:rPr>
-              <a:t>Returns a new </a:t>
-            </a:r>
-            <a:r>
-              <a:rPr lang="en-GB" sz="1200" dirty="0">
-                <a:hlinkClick r:id="rId3" tooltip="pyspark.sql.DataFrame"/>
-              </a:rPr>
-              <a:t>DataFrame</a:t>
-            </a:r>
-            <a:r>
-              <a:rPr lang="en-GB" sz="1200" dirty="0">
-                <a:effectLst/>
-              </a:rPr>
-              <a:t> omitting rows with null values. </a:t>
-            </a:r>
-            <a:r>
-              <a:rPr lang="en-GB" sz="1200" dirty="0">
-                <a:hlinkClick r:id="rId4" tooltip="pyspark.sql.DataFrame.dropna"/>
-              </a:rPr>
-              <a:t>DataFrame.dropna()</a:t>
-            </a:r>
-            <a:r>
-              <a:rPr lang="en-GB" sz="1200" dirty="0">
-                <a:effectLst/>
-              </a:rPr>
-              <a:t> and </a:t>
-            </a:r>
-            <a:r>
-              <a:rPr lang="en-GB" sz="1200" dirty="0">
-                <a:hlinkClick r:id="rId5" tooltip="pyspark.sql.DataFrameNaFunctions.drop"/>
-              </a:rPr>
-              <a:t>DataFrameNaFunctions.drop()</a:t>
-            </a:r>
-            <a:r>
-              <a:rPr lang="en-GB" sz="1200" dirty="0">
-                <a:effectLst/>
-              </a:rPr>
-              <a:t> are aliases of each other.</a:t>
-            </a:r>
-          </a:p>
-          <a:p>
-            <a:endParaRPr lang="en-GB" sz="1200" i="1" dirty="0">
-              <a:effectLst/>
-            </a:endParaRPr>
-          </a:p>
-          <a:p>
-            <a:r>
-              <a:rPr lang="en-GB" sz="1200" i="1" dirty="0">
-                <a:effectLst/>
-              </a:rPr>
-              <a:t>New in version 1.3.1.</a:t>
-            </a:r>
-            <a:endParaRPr lang="en-GB" sz="1200" dirty="0">
-              <a:effectLst/>
-            </a:endParaRPr>
-          </a:p>
-          <a:p>
-            <a:endParaRPr lang="en-GB" sz="1200" dirty="0"/>
-          </a:p>
-          <a:p>
-            <a:r>
-              <a:rPr lang="en-GB" sz="1200" dirty="0"/>
-              <a:t>Parameters: </a:t>
-            </a:r>
-            <a:r>
-              <a:rPr lang="en-GB" sz="1200" b="1" dirty="0">
-                <a:effectLst/>
-              </a:rPr>
-              <a:t>how : </a:t>
-            </a:r>
-            <a:r>
-              <a:rPr lang="en-GB" sz="1200" i="1" dirty="0">
-                <a:effectLst/>
-              </a:rPr>
-              <a:t>str, optional</a:t>
-            </a:r>
-          </a:p>
-          <a:p>
-            <a:r>
-              <a:rPr lang="en-GB" sz="1200" i="1" dirty="0"/>
-              <a:t>                             </a:t>
-            </a:r>
-            <a:r>
-              <a:rPr lang="en-GB" sz="1200" dirty="0">
-                <a:effectLst/>
-              </a:rPr>
-              <a:t>‘any’ or ‘all’. If ‘any’, drop a row if it contains any nulls. </a:t>
-            </a:r>
-          </a:p>
-          <a:p>
-            <a:r>
-              <a:rPr lang="en-GB" sz="1200" b="1" dirty="0"/>
-              <a:t>                       </a:t>
-            </a:r>
-            <a:r>
-              <a:rPr lang="en-GB" sz="1200" b="1" dirty="0">
-                <a:effectLst/>
-              </a:rPr>
-              <a:t>thresh : int, optional</a:t>
-            </a:r>
-          </a:p>
-          <a:p>
-            <a:r>
-              <a:rPr lang="en-GB" sz="1200" b="1" dirty="0"/>
-              <a:t>                             </a:t>
-            </a:r>
-            <a:r>
-              <a:rPr lang="en-GB" sz="1200" dirty="0">
-                <a:effectLst/>
-              </a:rPr>
-              <a:t>default None If specified, drop rows that have less     </a:t>
-            </a:r>
-          </a:p>
-          <a:p>
-            <a:r>
-              <a:rPr lang="en-GB" sz="1200" dirty="0"/>
-              <a:t>                             </a:t>
-            </a:r>
-            <a:r>
-              <a:rPr lang="en-GB" sz="1200" dirty="0">
-                <a:effectLst/>
-              </a:rPr>
-              <a:t>than </a:t>
-            </a:r>
-            <a:r>
-              <a:rPr lang="en-GB" sz="1200" i="1" dirty="0">
-                <a:effectLst/>
-              </a:rPr>
-              <a:t>thresh</a:t>
-            </a:r>
-            <a:r>
-              <a:rPr lang="en-GB" sz="1200" dirty="0">
-                <a:effectLst/>
-              </a:rPr>
-              <a:t> non-null values. This overwrites </a:t>
-            </a:r>
-          </a:p>
-          <a:p>
-            <a:r>
-              <a:rPr lang="en-GB" sz="1200" dirty="0"/>
-              <a:t>                             </a:t>
-            </a:r>
-            <a:r>
-              <a:rPr lang="en-GB" sz="1200" dirty="0">
-                <a:effectLst/>
-              </a:rPr>
-              <a:t>the </a:t>
-            </a:r>
-            <a:r>
-              <a:rPr lang="en-GB" sz="1200" i="1" dirty="0">
-                <a:effectLst/>
-              </a:rPr>
-              <a:t>how</a:t>
-            </a:r>
-            <a:r>
-              <a:rPr lang="en-GB" sz="1200" dirty="0">
-                <a:effectLst/>
-              </a:rPr>
-              <a:t> parameter.</a:t>
-            </a:r>
-          </a:p>
-          <a:p>
-            <a:r>
-              <a:rPr lang="en-GB" sz="1200" b="1" dirty="0">
-                <a:effectLst/>
-              </a:rPr>
-              <a:t>                       subset : </a:t>
-            </a:r>
-            <a:r>
-              <a:rPr lang="en-GB" sz="1200" i="1" dirty="0">
-                <a:effectLst/>
-              </a:rPr>
-              <a:t>str, tuple or list, optional</a:t>
-            </a:r>
-          </a:p>
-          <a:p>
-            <a:r>
-              <a:rPr lang="en-GB" sz="1200" i="1" dirty="0"/>
-              <a:t>                             </a:t>
-            </a:r>
-            <a:r>
-              <a:rPr lang="en-GB" sz="1200" dirty="0">
-                <a:effectLst/>
-              </a:rPr>
-              <a:t>optional list of column names to consider.</a:t>
-            </a:r>
-          </a:p>
-          <a:p>
-            <a:r>
-              <a:rPr lang="en-GB" sz="1200" b="1" dirty="0">
-                <a:effectLst/>
-              </a:rPr>
-              <a:t>Examples </a:t>
-            </a:r>
-          </a:p>
-          <a:p>
-            <a:r>
-              <a:rPr lang="en-GB" sz="1200" dirty="0"/>
-              <a:t>&gt;&gt;&gt;</a:t>
-            </a:r>
-            <a:r>
-              <a:rPr lang="en-GB" sz="1200" b="1" dirty="0"/>
-              <a:t> </a:t>
-            </a:r>
-            <a:r>
-              <a:rPr lang="en-GB" sz="1200" dirty="0">
-                <a:effectLst/>
-              </a:rPr>
-              <a:t>df4</a:t>
-            </a:r>
-            <a:r>
-              <a:rPr lang="en-GB" sz="1200" dirty="0"/>
-              <a:t>.</a:t>
-            </a:r>
-            <a:r>
-              <a:rPr lang="en-GB" sz="1200" dirty="0">
-                <a:effectLst/>
-              </a:rPr>
-              <a:t>na</a:t>
-            </a:r>
-            <a:r>
-              <a:rPr lang="en-GB" sz="1200" dirty="0"/>
-              <a:t>.</a:t>
-            </a:r>
-            <a:r>
-              <a:rPr lang="en-GB" sz="1200" dirty="0">
-                <a:effectLst/>
-              </a:rPr>
-              <a:t>drop()</a:t>
-            </a:r>
-            <a:r>
-              <a:rPr lang="en-GB" sz="1200" dirty="0"/>
-              <a:t>.</a:t>
-            </a:r>
-            <a:r>
-              <a:rPr lang="en-GB" sz="1200" dirty="0">
-                <a:effectLst/>
-              </a:rPr>
-              <a:t>show</a:t>
-            </a:r>
-          </a:p>
-        </p:txBody>
-      </p:sp>
-      <p:sp>
-        <p:nvSpPr>
-          <p:cNvPr id="38" name="TextBox 37">
-            <a:extLst>
-              <a:ext uri="{FF2B5EF4-FFF2-40B4-BE49-F238E27FC236}">
-                <a16:creationId xmlns:a16="http://schemas.microsoft.com/office/drawing/2014/main" id="{A21F5D2D-D0F8-0A4F-BF54-4207F8E5BF81}"/>
-              </a:ext>
-            </a:extLst>
-          </p:cNvPr>
-          <p:cNvSpPr txBox="1"/>
-          <p:nvPr/>
-        </p:nvSpPr>
-        <p:spPr>
-          <a:xfrm>
-            <a:off x="11355856" y="1976737"/>
-            <a:ext cx="172993" cy="3223760"/>
-          </a:xfrm>
-          <a:prstGeom prst="rect">
-            <a:avLst/>
-          </a:prstGeom>
-          <a:noFill/>
-          <a:ln w="12700">
-            <a:solidFill>
+            </a:lnRef>
+            <a:fillRef idx="1">
+              <a:schemeClr val="accent1"/>
+            </a:fillRef>
+            <a:effectRef idx="0">
+              <a:schemeClr val="accent1"/>
+            </a:effectRef>
+            <a:fontRef idx="minor">
+              <a:schemeClr val="lt1"/>
+            </a:fontRef>
+          </p:style>
+          <p:txBody>
+            <a:bodyPr rtlCol="0" anchor="ctr"/>
+            <a:lstStyle/>
+            <a:p>
+              <a:pPr algn="ctr"/>
+              <a:endParaRPr lang="en-SE"/>
+            </a:p>
+          </p:txBody>
+        </p:sp>
+        <p:sp>
+          <p:nvSpPr>
+            <p:cNvPr id="17" name="Rectangle 16">
+              <a:extLst>
+                <a:ext uri="{FF2B5EF4-FFF2-40B4-BE49-F238E27FC236}">
+                  <a16:creationId xmlns:a16="http://schemas.microsoft.com/office/drawing/2014/main" id="{2CA53DF0-E496-FB44-9742-E584F5ACD87D}"/>
+                </a:ext>
+              </a:extLst>
+            </p:cNvPr>
+            <p:cNvSpPr/>
+            <p:nvPr/>
+          </p:nvSpPr>
+          <p:spPr>
+            <a:xfrm>
+              <a:off x="1075037" y="2919634"/>
+              <a:ext cx="185351" cy="135924"/>
+            </a:xfrm>
+            <a:prstGeom prst="rect">
+              <a:avLst/>
+            </a:prstGeom>
+            <a:noFill/>
+          </p:spPr>
+          <p:style>
+            <a:lnRef idx="2">
               <a:schemeClr val="accent1">
                 <a:shade val="50000"/>
               </a:schemeClr>
+            </a:lnRef>
+            <a:fillRef idx="1">
+              <a:schemeClr val="accent1"/>
+            </a:fillRef>
+            <a:effectRef idx="0">
+              <a:schemeClr val="accent1"/>
+            </a:effectRef>
+            <a:fontRef idx="minor">
+              <a:schemeClr val="lt1"/>
+            </a:fontRef>
+          </p:style>
+          <p:txBody>
+            <a:bodyPr rtlCol="0" anchor="ctr"/>
+            <a:lstStyle/>
+            <a:p>
+              <a:pPr algn="ctr"/>
+              <a:endParaRPr lang="en-SE"/>
+            </a:p>
+          </p:txBody>
+        </p:sp>
+        <p:sp>
+          <p:nvSpPr>
+            <p:cNvPr id="18" name="Rectangle 17">
+              <a:extLst>
+                <a:ext uri="{FF2B5EF4-FFF2-40B4-BE49-F238E27FC236}">
+                  <a16:creationId xmlns:a16="http://schemas.microsoft.com/office/drawing/2014/main" id="{8C137BB6-9219-214D-BEC1-75A0DADA26CB}"/>
+                </a:ext>
+              </a:extLst>
+            </p:cNvPr>
+            <p:cNvSpPr/>
+            <p:nvPr/>
+          </p:nvSpPr>
+          <p:spPr>
+            <a:xfrm>
+              <a:off x="2842053" y="3461601"/>
+              <a:ext cx="976185" cy="438665"/>
+            </a:xfrm>
+            <a:prstGeom prst="rect">
+              <a:avLst/>
+            </a:prstGeom>
+          </p:spPr>
+          <p:style>
+            <a:lnRef idx="2">
+              <a:schemeClr val="accent1">
+                <a:shade val="50000"/>
+              </a:schemeClr>
+            </a:lnRef>
+            <a:fillRef idx="1">
+              <a:schemeClr val="accent1"/>
+            </a:fillRef>
+            <a:effectRef idx="0">
+              <a:schemeClr val="accent1"/>
+            </a:effectRef>
+            <a:fontRef idx="minor">
+              <a:schemeClr val="lt1"/>
+            </a:fontRef>
+          </p:style>
+          <p:txBody>
+            <a:bodyPr rtlCol="0" anchor="ctr"/>
+            <a:lstStyle/>
+            <a:p>
+              <a:pPr algn="ctr"/>
+              <a:r>
+                <a:rPr lang="en-SE" dirty="0"/>
+                <a:t>Prev</a:t>
+              </a:r>
+            </a:p>
+          </p:txBody>
+        </p:sp>
+        <p:sp>
+          <p:nvSpPr>
+            <p:cNvPr id="19" name="Rectangle 18">
+              <a:extLst>
+                <a:ext uri="{FF2B5EF4-FFF2-40B4-BE49-F238E27FC236}">
+                  <a16:creationId xmlns:a16="http://schemas.microsoft.com/office/drawing/2014/main" id="{A73212EB-C5BC-2541-B5E3-D35A5D08DE59}"/>
+                </a:ext>
+              </a:extLst>
+            </p:cNvPr>
+            <p:cNvSpPr/>
+            <p:nvPr/>
+          </p:nvSpPr>
+          <p:spPr>
+            <a:xfrm>
+              <a:off x="4003589" y="3461602"/>
+              <a:ext cx="976185" cy="438665"/>
+            </a:xfrm>
+            <a:prstGeom prst="rect">
+              <a:avLst/>
+            </a:prstGeom>
+          </p:spPr>
+          <p:style>
+            <a:lnRef idx="2">
+              <a:schemeClr val="accent1">
+                <a:shade val="50000"/>
+              </a:schemeClr>
+            </a:lnRef>
+            <a:fillRef idx="1">
+              <a:schemeClr val="accent1"/>
+            </a:fillRef>
+            <a:effectRef idx="0">
+              <a:schemeClr val="accent1"/>
+            </a:effectRef>
+            <a:fontRef idx="minor">
+              <a:schemeClr val="lt1"/>
+            </a:fontRef>
+          </p:style>
+          <p:txBody>
+            <a:bodyPr rtlCol="0" anchor="ctr"/>
+            <a:lstStyle/>
+            <a:p>
+              <a:pPr algn="ctr"/>
+              <a:r>
+                <a:rPr lang="en-SE" dirty="0"/>
+                <a:t>Next</a:t>
+              </a:r>
+            </a:p>
+          </p:txBody>
+        </p:sp>
+        <p:sp>
+          <p:nvSpPr>
+            <p:cNvPr id="20" name="Rectangle 19">
+              <a:extLst>
+                <a:ext uri="{FF2B5EF4-FFF2-40B4-BE49-F238E27FC236}">
+                  <a16:creationId xmlns:a16="http://schemas.microsoft.com/office/drawing/2014/main" id="{6DFB9AB7-910F-F54C-B86A-3132C3C552A8}"/>
+                </a:ext>
+              </a:extLst>
+            </p:cNvPr>
+            <p:cNvSpPr/>
+            <p:nvPr/>
+          </p:nvSpPr>
+          <p:spPr>
+            <a:xfrm>
+              <a:off x="1075037" y="3577291"/>
+              <a:ext cx="185351" cy="135924"/>
+            </a:xfrm>
+            <a:prstGeom prst="rect">
+              <a:avLst/>
+            </a:prstGeom>
+            <a:noFill/>
+          </p:spPr>
+          <p:style>
+            <a:lnRef idx="2">
+              <a:schemeClr val="accent1">
+                <a:shade val="50000"/>
+              </a:schemeClr>
+            </a:lnRef>
+            <a:fillRef idx="1">
+              <a:schemeClr val="accent1"/>
+            </a:fillRef>
+            <a:effectRef idx="0">
+              <a:schemeClr val="accent1"/>
+            </a:effectRef>
+            <a:fontRef idx="minor">
+              <a:schemeClr val="lt1"/>
+            </a:fontRef>
+          </p:style>
+          <p:txBody>
+            <a:bodyPr rtlCol="0" anchor="ctr"/>
+            <a:lstStyle/>
+            <a:p>
+              <a:pPr algn="ctr"/>
+              <a:endParaRPr lang="en-SE"/>
+            </a:p>
+          </p:txBody>
+        </p:sp>
+        <p:sp>
+          <p:nvSpPr>
+            <p:cNvPr id="26" name="TextBox 25">
+              <a:extLst>
+                <a:ext uri="{FF2B5EF4-FFF2-40B4-BE49-F238E27FC236}">
+                  <a16:creationId xmlns:a16="http://schemas.microsoft.com/office/drawing/2014/main" id="{62A98682-012D-8146-BAA2-1175A2073CFE}"/>
+                </a:ext>
+              </a:extLst>
+            </p:cNvPr>
+            <p:cNvSpPr txBox="1"/>
+            <p:nvPr/>
+          </p:nvSpPr>
+          <p:spPr>
+            <a:xfrm>
+              <a:off x="1260388" y="3461601"/>
+              <a:ext cx="856388" cy="369332"/>
+            </a:xfrm>
+            <a:prstGeom prst="rect">
+              <a:avLst/>
+            </a:prstGeom>
+            <a:noFill/>
+          </p:spPr>
+          <p:txBody>
+            <a:bodyPr wrap="none" rtlCol="0">
+              <a:spAutoFit/>
+            </a:bodyPr>
+            <a:lstStyle/>
+            <a:p>
+              <a:r>
+                <a:rPr lang="en-SE" dirty="0"/>
+                <a:t>Review</a:t>
+              </a:r>
+            </a:p>
+          </p:txBody>
+        </p:sp>
+        <p:sp>
+          <p:nvSpPr>
+            <p:cNvPr id="28" name="TextBox 27">
+              <a:extLst>
+                <a:ext uri="{FF2B5EF4-FFF2-40B4-BE49-F238E27FC236}">
+                  <a16:creationId xmlns:a16="http://schemas.microsoft.com/office/drawing/2014/main" id="{0410F1ED-5278-B44F-B14D-7DFB9BA38B0A}"/>
+                </a:ext>
+              </a:extLst>
+            </p:cNvPr>
+            <p:cNvSpPr txBox="1"/>
+            <p:nvPr/>
+          </p:nvSpPr>
+          <p:spPr>
+            <a:xfrm>
+              <a:off x="6190733" y="5462925"/>
+              <a:ext cx="4740878" cy="646331"/>
+            </a:xfrm>
+            <a:prstGeom prst="rect">
+              <a:avLst/>
+            </a:prstGeom>
+            <a:noFill/>
+            <a:ln w="12700">
+              <a:solidFill>
+                <a:schemeClr val="accent1">
+                  <a:shade val="50000"/>
+                </a:schemeClr>
+              </a:solidFill>
+            </a:ln>
+          </p:spPr>
+          <p:txBody>
+            <a:bodyPr wrap="square" rtlCol="0">
+              <a:spAutoFit/>
+            </a:bodyPr>
+            <a:lstStyle/>
+            <a:p>
+              <a:r>
+                <a:rPr lang="en-SE" dirty="0"/>
+                <a:t>Write code here …</a:t>
+              </a:r>
+            </a:p>
+            <a:p>
+              <a:endParaRPr lang="en-SE" dirty="0"/>
+            </a:p>
+          </p:txBody>
+        </p:sp>
+        <p:sp>
+          <p:nvSpPr>
+            <p:cNvPr id="29" name="TextBox 28">
+              <a:extLst>
+                <a:ext uri="{FF2B5EF4-FFF2-40B4-BE49-F238E27FC236}">
+                  <a16:creationId xmlns:a16="http://schemas.microsoft.com/office/drawing/2014/main" id="{2A033C72-1243-A944-9A81-BFD3D567F647}"/>
+                </a:ext>
+              </a:extLst>
+            </p:cNvPr>
+            <p:cNvSpPr txBox="1"/>
+            <p:nvPr/>
+          </p:nvSpPr>
+          <p:spPr>
+            <a:xfrm>
+              <a:off x="6188675" y="1463587"/>
+              <a:ext cx="2545492" cy="369332"/>
+            </a:xfrm>
+            <a:prstGeom prst="rect">
+              <a:avLst/>
+            </a:prstGeom>
+            <a:noFill/>
+            <a:ln w="12700">
+              <a:solidFill>
+                <a:schemeClr val="accent1">
+                  <a:shade val="50000"/>
+                </a:schemeClr>
+              </a:solidFill>
+            </a:ln>
+          </p:spPr>
+          <p:txBody>
+            <a:bodyPr wrap="square" rtlCol="0">
+              <a:spAutoFit/>
+            </a:bodyPr>
+            <a:lstStyle/>
+            <a:p>
+              <a:r>
+                <a:rPr lang="en-SE" dirty="0"/>
+                <a:t>Spark SQL</a:t>
+              </a:r>
+            </a:p>
+          </p:txBody>
+        </p:sp>
+        <p:sp>
+          <p:nvSpPr>
+            <p:cNvPr id="30" name="TextBox 29">
+              <a:extLst>
+                <a:ext uri="{FF2B5EF4-FFF2-40B4-BE49-F238E27FC236}">
+                  <a16:creationId xmlns:a16="http://schemas.microsoft.com/office/drawing/2014/main" id="{FC43B413-D239-E943-90BA-EA9194649B18}"/>
+                </a:ext>
+              </a:extLst>
+            </p:cNvPr>
+            <p:cNvSpPr txBox="1"/>
+            <p:nvPr/>
+          </p:nvSpPr>
+          <p:spPr>
+            <a:xfrm>
+              <a:off x="6188675" y="1115531"/>
+              <a:ext cx="494046" cy="369332"/>
+            </a:xfrm>
+            <a:prstGeom prst="rect">
+              <a:avLst/>
+            </a:prstGeom>
+            <a:noFill/>
+          </p:spPr>
+          <p:txBody>
+            <a:bodyPr wrap="none" rtlCol="0">
+              <a:spAutoFit/>
+            </a:bodyPr>
+            <a:lstStyle/>
+            <a:p>
+              <a:r>
+                <a:rPr lang="en-SE" dirty="0"/>
+                <a:t>API</a:t>
+              </a:r>
+            </a:p>
+          </p:txBody>
+        </p:sp>
+        <p:sp>
+          <p:nvSpPr>
+            <p:cNvPr id="35" name="TextBox 34">
+              <a:extLst>
+                <a:ext uri="{FF2B5EF4-FFF2-40B4-BE49-F238E27FC236}">
+                  <a16:creationId xmlns:a16="http://schemas.microsoft.com/office/drawing/2014/main" id="{EEDAB9C1-FBC1-B440-AE38-BA2D8561FDAA}"/>
+                </a:ext>
+              </a:extLst>
+            </p:cNvPr>
+            <p:cNvSpPr txBox="1"/>
+            <p:nvPr/>
+          </p:nvSpPr>
+          <p:spPr>
+            <a:xfrm>
+              <a:off x="6188675" y="1968843"/>
+              <a:ext cx="5340175" cy="3231654"/>
+            </a:xfrm>
+            <a:prstGeom prst="rect">
+              <a:avLst/>
+            </a:prstGeom>
+            <a:noFill/>
+            <a:ln w="12700">
+              <a:solidFill>
+                <a:schemeClr val="accent1">
+                  <a:shade val="50000"/>
+                </a:schemeClr>
+              </a:solidFill>
+            </a:ln>
+          </p:spPr>
+          <p:txBody>
+            <a:bodyPr wrap="square" rtlCol="0">
+              <a:spAutoFit/>
+            </a:bodyPr>
+            <a:lstStyle/>
+            <a:p>
+              <a:r>
+                <a:rPr lang="en-GB" sz="1200" dirty="0" err="1"/>
+                <a:t>DataFrameNaFunctions.drop</a:t>
+              </a:r>
+              <a:r>
+                <a:rPr lang="en-GB" sz="1200" dirty="0">
+                  <a:effectLst/>
+                </a:rPr>
+                <a:t>(</a:t>
+              </a:r>
+              <a:r>
+                <a:rPr lang="en-GB" sz="1200" i="1" dirty="0">
+                  <a:effectLst/>
+                </a:rPr>
+                <a:t>how='any'</a:t>
+              </a:r>
+              <a:r>
+                <a:rPr lang="en-GB" sz="1200" dirty="0"/>
+                <a:t>, </a:t>
+              </a:r>
+              <a:r>
+                <a:rPr lang="en-GB" sz="1200" i="1" dirty="0">
+                  <a:effectLst/>
+                </a:rPr>
+                <a:t>thresh=None</a:t>
+              </a:r>
+              <a:r>
+                <a:rPr lang="en-GB" sz="1200" dirty="0"/>
+                <a:t>, </a:t>
+              </a:r>
+              <a:r>
+                <a:rPr lang="en-GB" sz="1200" i="1" dirty="0">
+                  <a:effectLst/>
+                </a:rPr>
+                <a:t>subset=None</a:t>
+              </a:r>
+              <a:r>
+                <a:rPr lang="en-GB" sz="1200" dirty="0">
+                  <a:effectLst/>
+                </a:rPr>
+                <a:t>)</a:t>
+              </a:r>
+              <a:r>
+                <a:rPr lang="en-GB" sz="1200" dirty="0">
+                  <a:hlinkClick r:id="rId2"/>
+                </a:rPr>
+                <a:t>[source]</a:t>
+              </a:r>
+              <a:endParaRPr lang="en-GB" sz="1200" dirty="0"/>
+            </a:p>
+            <a:p>
+              <a:r>
+                <a:rPr lang="en-GB" sz="1200" dirty="0">
+                  <a:effectLst/>
+                </a:rPr>
+                <a:t>Returns a new </a:t>
+              </a:r>
+              <a:r>
+                <a:rPr lang="en-GB" sz="1200" dirty="0">
+                  <a:hlinkClick r:id="rId3" tooltip="pyspark.sql.DataFrame"/>
+                </a:rPr>
+                <a:t>DataFrame</a:t>
+              </a:r>
+              <a:r>
+                <a:rPr lang="en-GB" sz="1200" dirty="0">
+                  <a:effectLst/>
+                </a:rPr>
+                <a:t> omitting rows with null values. </a:t>
+              </a:r>
+              <a:r>
+                <a:rPr lang="en-GB" sz="1200" dirty="0">
+                  <a:hlinkClick r:id="rId4" tooltip="pyspark.sql.DataFrame.dropna"/>
+                </a:rPr>
+                <a:t>DataFrame.dropna()</a:t>
+              </a:r>
+              <a:r>
+                <a:rPr lang="en-GB" sz="1200" dirty="0">
+                  <a:effectLst/>
+                </a:rPr>
+                <a:t> and </a:t>
+              </a:r>
+              <a:r>
+                <a:rPr lang="en-GB" sz="1200" dirty="0">
+                  <a:hlinkClick r:id="rId5" tooltip="pyspark.sql.DataFrameNaFunctions.drop"/>
+                </a:rPr>
+                <a:t>DataFrameNaFunctions.drop()</a:t>
+              </a:r>
+              <a:r>
+                <a:rPr lang="en-GB" sz="1200" dirty="0">
+                  <a:effectLst/>
+                </a:rPr>
+                <a:t> are aliases of each other.</a:t>
+              </a:r>
+            </a:p>
+            <a:p>
+              <a:endParaRPr lang="en-GB" sz="1200" i="1" dirty="0">
+                <a:effectLst/>
+              </a:endParaRPr>
+            </a:p>
+            <a:p>
+              <a:r>
+                <a:rPr lang="en-GB" sz="1200" i="1" dirty="0">
+                  <a:effectLst/>
+                </a:rPr>
+                <a:t>New in version 1.3.1.</a:t>
+              </a:r>
+              <a:endParaRPr lang="en-GB" sz="1200" dirty="0">
+                <a:effectLst/>
+              </a:endParaRPr>
+            </a:p>
+            <a:p>
+              <a:endParaRPr lang="en-GB" sz="1200" dirty="0"/>
+            </a:p>
+            <a:p>
+              <a:r>
+                <a:rPr lang="en-GB" sz="1200" dirty="0"/>
+                <a:t>Parameters: </a:t>
+              </a:r>
+              <a:r>
+                <a:rPr lang="en-GB" sz="1200" b="1" dirty="0">
+                  <a:effectLst/>
+                </a:rPr>
+                <a:t>how : </a:t>
+              </a:r>
+              <a:r>
+                <a:rPr lang="en-GB" sz="1200" i="1" dirty="0">
+                  <a:effectLst/>
+                </a:rPr>
+                <a:t>str, optional</a:t>
+              </a:r>
+            </a:p>
+            <a:p>
+              <a:r>
+                <a:rPr lang="en-GB" sz="1200" i="1" dirty="0"/>
+                <a:t>                             </a:t>
+              </a:r>
+              <a:r>
+                <a:rPr lang="en-GB" sz="1200" dirty="0">
+                  <a:effectLst/>
+                </a:rPr>
+                <a:t>‘any’ or ‘all’. If ‘any’, drop a row if it contains any nulls. </a:t>
+              </a:r>
+            </a:p>
+            <a:p>
+              <a:r>
+                <a:rPr lang="en-GB" sz="1200" b="1" dirty="0"/>
+                <a:t>                       </a:t>
+              </a:r>
+              <a:r>
+                <a:rPr lang="en-GB" sz="1200" b="1" dirty="0">
+                  <a:effectLst/>
+                </a:rPr>
+                <a:t>thresh : int, optional</a:t>
+              </a:r>
+            </a:p>
+            <a:p>
+              <a:r>
+                <a:rPr lang="en-GB" sz="1200" b="1" dirty="0"/>
+                <a:t>                             </a:t>
+              </a:r>
+              <a:r>
+                <a:rPr lang="en-GB" sz="1200" dirty="0">
+                  <a:effectLst/>
+                </a:rPr>
+                <a:t>default None If specified, drop rows that have less     </a:t>
+              </a:r>
+            </a:p>
+            <a:p>
+              <a:r>
+                <a:rPr lang="en-GB" sz="1200" dirty="0"/>
+                <a:t>                             </a:t>
+              </a:r>
+              <a:r>
+                <a:rPr lang="en-GB" sz="1200" dirty="0">
+                  <a:effectLst/>
+                </a:rPr>
+                <a:t>than </a:t>
+              </a:r>
+              <a:r>
+                <a:rPr lang="en-GB" sz="1200" i="1" dirty="0">
+                  <a:effectLst/>
+                </a:rPr>
+                <a:t>thresh</a:t>
+              </a:r>
+              <a:r>
+                <a:rPr lang="en-GB" sz="1200" dirty="0">
+                  <a:effectLst/>
+                </a:rPr>
+                <a:t> non-null values. This overwrites </a:t>
+              </a:r>
+            </a:p>
+            <a:p>
+              <a:r>
+                <a:rPr lang="en-GB" sz="1200" dirty="0"/>
+                <a:t>                             </a:t>
+              </a:r>
+              <a:r>
+                <a:rPr lang="en-GB" sz="1200" dirty="0">
+                  <a:effectLst/>
+                </a:rPr>
+                <a:t>the </a:t>
+              </a:r>
+              <a:r>
+                <a:rPr lang="en-GB" sz="1200" i="1" dirty="0">
+                  <a:effectLst/>
+                </a:rPr>
+                <a:t>how</a:t>
+              </a:r>
+              <a:r>
+                <a:rPr lang="en-GB" sz="1200" dirty="0">
+                  <a:effectLst/>
+                </a:rPr>
+                <a:t> parameter.</a:t>
+              </a:r>
+            </a:p>
+            <a:p>
+              <a:r>
+                <a:rPr lang="en-GB" sz="1200" b="1" dirty="0">
+                  <a:effectLst/>
+                </a:rPr>
+                <a:t>                       subset : </a:t>
+              </a:r>
+              <a:r>
+                <a:rPr lang="en-GB" sz="1200" i="1" dirty="0">
+                  <a:effectLst/>
+                </a:rPr>
+                <a:t>str, tuple or list, optional</a:t>
+              </a:r>
+            </a:p>
+            <a:p>
+              <a:r>
+                <a:rPr lang="en-GB" sz="1200" i="1" dirty="0"/>
+                <a:t>                             </a:t>
+              </a:r>
+              <a:r>
+                <a:rPr lang="en-GB" sz="1200" dirty="0">
+                  <a:effectLst/>
+                </a:rPr>
+                <a:t>optional list of column names to consider.</a:t>
+              </a:r>
+            </a:p>
+            <a:p>
+              <a:r>
+                <a:rPr lang="en-GB" sz="1200" b="1" dirty="0">
+                  <a:effectLst/>
+                </a:rPr>
+                <a:t>Examples </a:t>
+              </a:r>
+            </a:p>
+            <a:p>
+              <a:r>
+                <a:rPr lang="en-GB" sz="1200" dirty="0"/>
+                <a:t>&gt;&gt;&gt;</a:t>
+              </a:r>
+              <a:r>
+                <a:rPr lang="en-GB" sz="1200" b="1" dirty="0"/>
+                <a:t> </a:t>
+              </a:r>
+              <a:r>
+                <a:rPr lang="en-GB" sz="1200" dirty="0">
+                  <a:effectLst/>
+                </a:rPr>
+                <a:t>df4</a:t>
+              </a:r>
+              <a:r>
+                <a:rPr lang="en-GB" sz="1200" dirty="0"/>
+                <a:t>.</a:t>
+              </a:r>
+              <a:r>
+                <a:rPr lang="en-GB" sz="1200" dirty="0">
+                  <a:effectLst/>
+                </a:rPr>
+                <a:t>na</a:t>
+              </a:r>
+              <a:r>
+                <a:rPr lang="en-GB" sz="1200" dirty="0"/>
+                <a:t>.</a:t>
+              </a:r>
+              <a:r>
+                <a:rPr lang="en-GB" sz="1200" dirty="0">
+                  <a:effectLst/>
+                </a:rPr>
+                <a:t>drop()</a:t>
+              </a:r>
+              <a:r>
+                <a:rPr lang="en-GB" sz="1200" dirty="0"/>
+                <a:t>.</a:t>
+              </a:r>
+              <a:r>
+                <a:rPr lang="en-GB" sz="1200" dirty="0">
+                  <a:effectLst/>
+                </a:rPr>
+                <a:t>show</a:t>
+              </a:r>
+            </a:p>
+          </p:txBody>
+        </p:sp>
+        <p:sp>
+          <p:nvSpPr>
+            <p:cNvPr id="38" name="TextBox 37">
+              <a:extLst>
+                <a:ext uri="{FF2B5EF4-FFF2-40B4-BE49-F238E27FC236}">
+                  <a16:creationId xmlns:a16="http://schemas.microsoft.com/office/drawing/2014/main" id="{A21F5D2D-D0F8-0A4F-BF54-4207F8E5BF81}"/>
+                </a:ext>
+              </a:extLst>
+            </p:cNvPr>
+            <p:cNvSpPr txBox="1"/>
+            <p:nvPr/>
+          </p:nvSpPr>
+          <p:spPr>
+            <a:xfrm>
+              <a:off x="11355856" y="1976737"/>
+              <a:ext cx="172993" cy="3223760"/>
+            </a:xfrm>
+            <a:prstGeom prst="rect">
+              <a:avLst/>
+            </a:prstGeom>
+            <a:noFill/>
+            <a:ln w="12700">
+              <a:solidFill>
+                <a:schemeClr val="accent1">
+                  <a:shade val="50000"/>
+                </a:schemeClr>
+              </a:solidFill>
+              <a:prstDash val="dash"/>
+            </a:ln>
+          </p:spPr>
+          <p:txBody>
+            <a:bodyPr wrap="square" rtlCol="0">
+              <a:spAutoFit/>
+            </a:bodyPr>
+            <a:lstStyle/>
+            <a:p>
+              <a:endParaRPr lang="en-SE" dirty="0"/>
+            </a:p>
+          </p:txBody>
+        </p:sp>
+        <p:sp>
+          <p:nvSpPr>
+            <p:cNvPr id="39" name="Rounded Rectangle 38">
+              <a:extLst>
+                <a:ext uri="{FF2B5EF4-FFF2-40B4-BE49-F238E27FC236}">
+                  <a16:creationId xmlns:a16="http://schemas.microsoft.com/office/drawing/2014/main" id="{052C7422-A035-754E-B715-D608D4D0223F}"/>
+                </a:ext>
+              </a:extLst>
+            </p:cNvPr>
+            <p:cNvSpPr/>
+            <p:nvPr/>
+          </p:nvSpPr>
+          <p:spPr>
+            <a:xfrm>
+              <a:off x="11368211" y="2432230"/>
+              <a:ext cx="160638" cy="411893"/>
+            </a:xfrm>
+            <a:prstGeom prst="roundRect">
+              <a:avLst/>
+            </a:prstGeom>
+            <a:solidFill>
+              <a:schemeClr val="bg2"/>
             </a:solidFill>
-            <a:prstDash val="dash"/>
-          </a:ln>
-        </p:spPr>
-        <p:txBody>
-          <a:bodyPr wrap="square" rtlCol="0">
-            <a:spAutoFit/>
-          </a:bodyPr>
-          <a:lstStyle/>
-          <a:p>
-            <a:endParaRPr lang="en-SE" dirty="0"/>
-          </a:p>
-        </p:txBody>
-      </p:sp>
-      <p:sp>
-        <p:nvSpPr>
-          <p:cNvPr id="39" name="Rounded Rectangle 38">
-            <a:extLst>
-              <a:ext uri="{FF2B5EF4-FFF2-40B4-BE49-F238E27FC236}">
-                <a16:creationId xmlns:a16="http://schemas.microsoft.com/office/drawing/2014/main" id="{052C7422-A035-754E-B715-D608D4D0223F}"/>
-              </a:ext>
-            </a:extLst>
-          </p:cNvPr>
-          <p:cNvSpPr/>
-          <p:nvPr/>
-        </p:nvSpPr>
-        <p:spPr>
-          <a:xfrm>
-            <a:off x="11368211" y="2432230"/>
-            <a:ext cx="160638" cy="411893"/>
-          </a:xfrm>
-          <a:prstGeom prst="roundRect">
-            <a:avLst/>
-          </a:prstGeom>
-          <a:solidFill>
-            <a:schemeClr val="bg2"/>
-          </a:solidFill>
-          <a:ln>
+            <a:ln>
+              <a:solidFill>
+                <a:schemeClr val="bg1">
+                  <a:lumMod val="50000"/>
+                </a:schemeClr>
+              </a:solidFill>
+              <a:prstDash val="dash"/>
+            </a:ln>
+          </p:spPr>
+          <p:style>
+            <a:lnRef idx="2">
+              <a:schemeClr val="accent1">
+                <a:shade val="50000"/>
+              </a:schemeClr>
+            </a:lnRef>
+            <a:fillRef idx="1">
+              <a:schemeClr val="accent1"/>
+            </a:fillRef>
+            <a:effectRef idx="0">
+              <a:schemeClr val="accent1"/>
+            </a:effectRef>
+            <a:fontRef idx="minor">
+              <a:schemeClr val="lt1"/>
+            </a:fontRef>
+          </p:style>
+          <p:txBody>
+            <a:bodyPr rtlCol="0" anchor="ctr"/>
+            <a:lstStyle/>
+            <a:p>
+              <a:pPr algn="ctr"/>
+              <a:endParaRPr lang="en-SE"/>
+            </a:p>
+          </p:txBody>
+        </p:sp>
+        <p:sp>
+          <p:nvSpPr>
+            <p:cNvPr id="2" name="Heptagon 1">
+              <a:extLst>
+                <a:ext uri="{FF2B5EF4-FFF2-40B4-BE49-F238E27FC236}">
+                  <a16:creationId xmlns:a16="http://schemas.microsoft.com/office/drawing/2014/main" id="{68DFFABD-F636-5F43-AC6E-9493254D3072}"/>
+                </a:ext>
+              </a:extLst>
+            </p:cNvPr>
+            <p:cNvSpPr/>
+            <p:nvPr/>
+          </p:nvSpPr>
+          <p:spPr>
+            <a:xfrm>
+              <a:off x="2501462" y="4572000"/>
+              <a:ext cx="1019504" cy="1019503"/>
+            </a:xfrm>
+            <a:prstGeom prst="heptagon">
+              <a:avLst/>
+            </a:prstGeom>
             <a:solidFill>
-              <a:schemeClr val="bg1">
-                <a:lumMod val="50000"/>
+              <a:schemeClr val="accent2"/>
+            </a:solidFill>
+          </p:spPr>
+          <p:style>
+            <a:lnRef idx="2">
+              <a:schemeClr val="accent1">
+                <a:shade val="50000"/>
               </a:schemeClr>
+            </a:lnRef>
+            <a:fillRef idx="1">
+              <a:schemeClr val="accent1"/>
+            </a:fillRef>
+            <a:effectRef idx="0">
+              <a:schemeClr val="accent1"/>
+            </a:effectRef>
+            <a:fontRef idx="minor">
+              <a:schemeClr val="lt1"/>
+            </a:fontRef>
+          </p:style>
+          <p:txBody>
+            <a:bodyPr rtlCol="0" anchor="ctr"/>
+            <a:lstStyle/>
+            <a:p>
+              <a:pPr algn="ctr"/>
+              <a:r>
+                <a:rPr lang="en-SE" dirty="0"/>
+                <a:t>1</a:t>
+              </a:r>
+            </a:p>
+          </p:txBody>
+        </p:sp>
+        <p:sp>
+          <p:nvSpPr>
+            <p:cNvPr id="27" name="Heptagon 26">
+              <a:extLst>
+                <a:ext uri="{FF2B5EF4-FFF2-40B4-BE49-F238E27FC236}">
+                  <a16:creationId xmlns:a16="http://schemas.microsoft.com/office/drawing/2014/main" id="{A0221CDD-07EA-3F4B-B811-778D6195DAC3}"/>
+                </a:ext>
+              </a:extLst>
+            </p:cNvPr>
+            <p:cNvSpPr/>
+            <p:nvPr/>
+          </p:nvSpPr>
+          <p:spPr>
+            <a:xfrm>
+              <a:off x="9018651" y="868744"/>
+              <a:ext cx="1019504" cy="1019503"/>
+            </a:xfrm>
+            <a:prstGeom prst="heptagon">
+              <a:avLst/>
+            </a:prstGeom>
+            <a:solidFill>
+              <a:schemeClr val="accent2"/>
             </a:solidFill>
-            <a:prstDash val="dash"/>
-          </a:ln>
-        </p:spPr>
-        <p:style>
-          <a:lnRef idx="2">
-            <a:schemeClr val="accent1">
-              <a:shade val="50000"/>
-            </a:schemeClr>
-          </a:lnRef>
-          <a:fillRef idx="1">
-            <a:schemeClr val="accent1"/>
-          </a:fillRef>
-          <a:effectRef idx="0">
-            <a:schemeClr val="accent1"/>
-          </a:effectRef>
-          <a:fontRef idx="minor">
-            <a:schemeClr val="lt1"/>
-          </a:fontRef>
-        </p:style>
-        <p:txBody>
-          <a:bodyPr rtlCol="0" anchor="ctr"/>
-          <a:lstStyle/>
-          <a:p>
-            <a:pPr algn="ctr"/>
-            <a:endParaRPr lang="en-SE"/>
-          </a:p>
-        </p:txBody>
-      </p:sp>
-      <p:sp>
-        <p:nvSpPr>
-          <p:cNvPr id="2" name="Heptagon 1">
-            <a:extLst>
-              <a:ext uri="{FF2B5EF4-FFF2-40B4-BE49-F238E27FC236}">
-                <a16:creationId xmlns:a16="http://schemas.microsoft.com/office/drawing/2014/main" id="{68DFFABD-F636-5F43-AC6E-9493254D3072}"/>
-              </a:ext>
-            </a:extLst>
-          </p:cNvPr>
-          <p:cNvSpPr/>
-          <p:nvPr/>
-        </p:nvSpPr>
-        <p:spPr>
-          <a:xfrm>
-            <a:off x="2501462" y="4572000"/>
-            <a:ext cx="1019504" cy="1019503"/>
-          </a:xfrm>
-          <a:prstGeom prst="heptagon">
-            <a:avLst/>
-          </a:prstGeom>
-          <a:solidFill>
-            <a:schemeClr val="accent2"/>
-          </a:solidFill>
-        </p:spPr>
-        <p:style>
-          <a:lnRef idx="2">
-            <a:schemeClr val="accent1">
-              <a:shade val="50000"/>
-            </a:schemeClr>
-          </a:lnRef>
-          <a:fillRef idx="1">
-            <a:schemeClr val="accent1"/>
-          </a:fillRef>
-          <a:effectRef idx="0">
-            <a:schemeClr val="accent1"/>
-          </a:effectRef>
-          <a:fontRef idx="minor">
-            <a:schemeClr val="lt1"/>
-          </a:fontRef>
-        </p:style>
-        <p:txBody>
-          <a:bodyPr rtlCol="0" anchor="ctr"/>
-          <a:lstStyle/>
-          <a:p>
-            <a:pPr algn="ctr"/>
-            <a:r>
-              <a:rPr lang="en-SE" dirty="0"/>
-              <a:t>1</a:t>
-            </a:r>
-          </a:p>
-        </p:txBody>
-      </p:sp>
-      <p:sp>
-        <p:nvSpPr>
-          <p:cNvPr id="27" name="Heptagon 26">
-            <a:extLst>
-              <a:ext uri="{FF2B5EF4-FFF2-40B4-BE49-F238E27FC236}">
-                <a16:creationId xmlns:a16="http://schemas.microsoft.com/office/drawing/2014/main" id="{A0221CDD-07EA-3F4B-B811-778D6195DAC3}"/>
-              </a:ext>
-            </a:extLst>
-          </p:cNvPr>
-          <p:cNvSpPr/>
-          <p:nvPr/>
-        </p:nvSpPr>
-        <p:spPr>
-          <a:xfrm>
-            <a:off x="9018651" y="868744"/>
-            <a:ext cx="1019504" cy="1019503"/>
-          </a:xfrm>
-          <a:prstGeom prst="heptagon">
-            <a:avLst/>
-          </a:prstGeom>
-          <a:solidFill>
-            <a:schemeClr val="accent2"/>
-          </a:solidFill>
-        </p:spPr>
-        <p:style>
-          <a:lnRef idx="2">
-            <a:schemeClr val="accent1">
-              <a:shade val="50000"/>
-            </a:schemeClr>
-          </a:lnRef>
-          <a:fillRef idx="1">
-            <a:schemeClr val="accent1"/>
-          </a:fillRef>
-          <a:effectRef idx="0">
-            <a:schemeClr val="accent1"/>
-          </a:effectRef>
-          <a:fontRef idx="minor">
-            <a:schemeClr val="lt1"/>
-          </a:fontRef>
-        </p:style>
-        <p:txBody>
-          <a:bodyPr rtlCol="0" anchor="ctr"/>
-          <a:lstStyle/>
-          <a:p>
-            <a:pPr algn="ctr"/>
-            <a:r>
-              <a:rPr lang="en-SE" dirty="0"/>
-              <a:t>2</a:t>
-            </a:r>
-          </a:p>
-        </p:txBody>
-      </p:sp>
-      <p:sp>
-        <p:nvSpPr>
-          <p:cNvPr id="31" name="Heptagon 30">
-            <a:extLst>
-              <a:ext uri="{FF2B5EF4-FFF2-40B4-BE49-F238E27FC236}">
-                <a16:creationId xmlns:a16="http://schemas.microsoft.com/office/drawing/2014/main" id="{2190542B-C9A9-F943-96BD-17DFA203FB4D}"/>
-              </a:ext>
-            </a:extLst>
-          </p:cNvPr>
-          <p:cNvSpPr/>
-          <p:nvPr/>
-        </p:nvSpPr>
-        <p:spPr>
-          <a:xfrm>
-            <a:off x="10038155" y="2716432"/>
-            <a:ext cx="1019504" cy="1019503"/>
-          </a:xfrm>
-          <a:prstGeom prst="heptagon">
-            <a:avLst/>
-          </a:prstGeom>
-          <a:solidFill>
-            <a:schemeClr val="accent2"/>
-          </a:solidFill>
-        </p:spPr>
-        <p:style>
-          <a:lnRef idx="2">
-            <a:schemeClr val="accent1">
-              <a:shade val="50000"/>
-            </a:schemeClr>
-          </a:lnRef>
-          <a:fillRef idx="1">
-            <a:schemeClr val="accent1"/>
-          </a:fillRef>
-          <a:effectRef idx="0">
-            <a:schemeClr val="accent1"/>
-          </a:effectRef>
-          <a:fontRef idx="minor">
-            <a:schemeClr val="lt1"/>
-          </a:fontRef>
-        </p:style>
-        <p:txBody>
-          <a:bodyPr rtlCol="0" anchor="ctr"/>
-          <a:lstStyle/>
-          <a:p>
-            <a:pPr algn="ctr"/>
-            <a:r>
-              <a:rPr lang="en-SE" dirty="0"/>
-              <a:t>3</a:t>
-            </a:r>
-          </a:p>
-        </p:txBody>
-      </p:sp>
-      <p:sp>
-        <p:nvSpPr>
-          <p:cNvPr id="32" name="Heptagon 31">
-            <a:extLst>
-              <a:ext uri="{FF2B5EF4-FFF2-40B4-BE49-F238E27FC236}">
-                <a16:creationId xmlns:a16="http://schemas.microsoft.com/office/drawing/2014/main" id="{60A4B126-5D3F-6748-8C34-80AA364BF18E}"/>
-              </a:ext>
-            </a:extLst>
-          </p:cNvPr>
-          <p:cNvSpPr/>
-          <p:nvPr/>
-        </p:nvSpPr>
-        <p:spPr>
-          <a:xfrm>
-            <a:off x="9132993" y="5064427"/>
-            <a:ext cx="1019504" cy="1019503"/>
-          </a:xfrm>
-          <a:prstGeom prst="heptagon">
-            <a:avLst/>
-          </a:prstGeom>
-          <a:solidFill>
-            <a:schemeClr val="accent2"/>
-          </a:solidFill>
-        </p:spPr>
-        <p:style>
-          <a:lnRef idx="2">
-            <a:schemeClr val="accent1">
-              <a:shade val="50000"/>
-            </a:schemeClr>
-          </a:lnRef>
-          <a:fillRef idx="1">
-            <a:schemeClr val="accent1"/>
-          </a:fillRef>
-          <a:effectRef idx="0">
-            <a:schemeClr val="accent1"/>
-          </a:effectRef>
-          <a:fontRef idx="minor">
-            <a:schemeClr val="lt1"/>
-          </a:fontRef>
-        </p:style>
-        <p:txBody>
-          <a:bodyPr rtlCol="0" anchor="ctr"/>
-          <a:lstStyle/>
-          <a:p>
-            <a:pPr algn="ctr"/>
-            <a:r>
-              <a:rPr lang="en-SE" dirty="0"/>
-              <a:t>4</a:t>
-            </a:r>
-          </a:p>
-        </p:txBody>
-      </p:sp>
+          </p:spPr>
+          <p:style>
+            <a:lnRef idx="2">
+              <a:schemeClr val="accent1">
+                <a:shade val="50000"/>
+              </a:schemeClr>
+            </a:lnRef>
+            <a:fillRef idx="1">
+              <a:schemeClr val="accent1"/>
+            </a:fillRef>
+            <a:effectRef idx="0">
+              <a:schemeClr val="accent1"/>
+            </a:effectRef>
+            <a:fontRef idx="minor">
+              <a:schemeClr val="lt1"/>
+            </a:fontRef>
+          </p:style>
+          <p:txBody>
+            <a:bodyPr rtlCol="0" anchor="ctr"/>
+            <a:lstStyle/>
+            <a:p>
+              <a:pPr algn="ctr"/>
+              <a:r>
+                <a:rPr lang="en-SE" dirty="0"/>
+                <a:t>2</a:t>
+              </a:r>
+            </a:p>
+          </p:txBody>
+        </p:sp>
+        <p:sp>
+          <p:nvSpPr>
+            <p:cNvPr id="31" name="Heptagon 30">
+              <a:extLst>
+                <a:ext uri="{FF2B5EF4-FFF2-40B4-BE49-F238E27FC236}">
+                  <a16:creationId xmlns:a16="http://schemas.microsoft.com/office/drawing/2014/main" id="{2190542B-C9A9-F943-96BD-17DFA203FB4D}"/>
+                </a:ext>
+              </a:extLst>
+            </p:cNvPr>
+            <p:cNvSpPr/>
+            <p:nvPr/>
+          </p:nvSpPr>
+          <p:spPr>
+            <a:xfrm>
+              <a:off x="10038155" y="2716432"/>
+              <a:ext cx="1019504" cy="1019503"/>
+            </a:xfrm>
+            <a:prstGeom prst="heptagon">
+              <a:avLst/>
+            </a:prstGeom>
+            <a:solidFill>
+              <a:schemeClr val="accent2"/>
+            </a:solidFill>
+          </p:spPr>
+          <p:style>
+            <a:lnRef idx="2">
+              <a:schemeClr val="accent1">
+                <a:shade val="50000"/>
+              </a:schemeClr>
+            </a:lnRef>
+            <a:fillRef idx="1">
+              <a:schemeClr val="accent1"/>
+            </a:fillRef>
+            <a:effectRef idx="0">
+              <a:schemeClr val="accent1"/>
+            </a:effectRef>
+            <a:fontRef idx="minor">
+              <a:schemeClr val="lt1"/>
+            </a:fontRef>
+          </p:style>
+          <p:txBody>
+            <a:bodyPr rtlCol="0" anchor="ctr"/>
+            <a:lstStyle/>
+            <a:p>
+              <a:pPr algn="ctr"/>
+              <a:r>
+                <a:rPr lang="en-SE" dirty="0"/>
+                <a:t>3</a:t>
+              </a:r>
+            </a:p>
+          </p:txBody>
+        </p:sp>
+        <p:sp>
+          <p:nvSpPr>
+            <p:cNvPr id="32" name="Heptagon 31">
+              <a:extLst>
+                <a:ext uri="{FF2B5EF4-FFF2-40B4-BE49-F238E27FC236}">
+                  <a16:creationId xmlns:a16="http://schemas.microsoft.com/office/drawing/2014/main" id="{60A4B126-5D3F-6748-8C34-80AA364BF18E}"/>
+                </a:ext>
+              </a:extLst>
+            </p:cNvPr>
+            <p:cNvSpPr/>
+            <p:nvPr/>
+          </p:nvSpPr>
+          <p:spPr>
+            <a:xfrm>
+              <a:off x="9132993" y="5064427"/>
+              <a:ext cx="1019504" cy="1019503"/>
+            </a:xfrm>
+            <a:prstGeom prst="heptagon">
+              <a:avLst/>
+            </a:prstGeom>
+            <a:solidFill>
+              <a:schemeClr val="accent2"/>
+            </a:solidFill>
+          </p:spPr>
+          <p:style>
+            <a:lnRef idx="2">
+              <a:schemeClr val="accent1">
+                <a:shade val="50000"/>
+              </a:schemeClr>
+            </a:lnRef>
+            <a:fillRef idx="1">
+              <a:schemeClr val="accent1"/>
+            </a:fillRef>
+            <a:effectRef idx="0">
+              <a:schemeClr val="accent1"/>
+            </a:effectRef>
+            <a:fontRef idx="minor">
+              <a:schemeClr val="lt1"/>
+            </a:fontRef>
+          </p:style>
+          <p:txBody>
+            <a:bodyPr rtlCol="0" anchor="ctr"/>
+            <a:lstStyle/>
+            <a:p>
+              <a:pPr algn="ctr"/>
+              <a:r>
+                <a:rPr lang="en-SE" dirty="0"/>
+                <a:t>4</a:t>
+              </a:r>
+            </a:p>
+          </p:txBody>
+        </p:sp>
+      </p:grpSp>
     </p:spTree>
     <p:extLst>
       <p:ext uri="{BB962C8B-B14F-4D97-AF65-F5344CB8AC3E}">
         <p14:creationId xmlns:p14="http://schemas.microsoft.com/office/powerpoint/2010/main" val="734390404"/>
-      </p:ext>
-    </p:extLst>
-  </p:cSld>
-  <p:clrMapOvr>
-    <a:masterClrMapping/>
-  </p:clrMapOvr>
-</p:sld>
-</file>
-
-<file path=ppt/slides/slide3.xml><?xml version="1.0" encoding="utf-8"?>
-<p:sld xmlns:a="http://schemas.openxmlformats.org/drawingml/2006/main" xmlns:r="http://schemas.openxmlformats.org/officeDocument/2006/relationships" xmlns:p="http://schemas.openxmlformats.org/presentationml/2006/main">
-  <p:cSld>
-    <p:spTree>
-      <p:nvGrpSpPr>
-        <p:cNvPr id="1" name=""/>
-        <p:cNvGrpSpPr/>
-        <p:nvPr/>
-      </p:nvGrpSpPr>
-      <p:grpSpPr>
-        <a:xfrm>
-          <a:off x="0" y="0"/>
-          <a:ext cx="0" cy="0"/>
-          <a:chOff x="0" y="0"/>
-          <a:chExt cx="0" cy="0"/>
-        </a:xfrm>
-      </p:grpSpPr>
-      <p:sp>
-        <p:nvSpPr>
-          <p:cNvPr id="2" name="Title 1">
-            <a:extLst>
-              <a:ext uri="{FF2B5EF4-FFF2-40B4-BE49-F238E27FC236}">
-                <a16:creationId xmlns:a16="http://schemas.microsoft.com/office/drawing/2014/main" id="{B20BBCD5-4B49-C949-9AAF-35E67B4C9874}"/>
-              </a:ext>
-            </a:extLst>
-          </p:cNvPr>
-          <p:cNvSpPr>
-            <a:spLocks noGrp="1"/>
-          </p:cNvSpPr>
-          <p:nvPr>
-            <p:ph type="title"/>
-          </p:nvPr>
-        </p:nvSpPr>
-        <p:spPr/>
-        <p:txBody>
-          <a:bodyPr/>
-          <a:lstStyle/>
-          <a:p>
-            <a:r>
-              <a:rPr lang="en-SE" dirty="0"/>
-              <a:t>APIs</a:t>
-            </a:r>
-          </a:p>
-        </p:txBody>
-      </p:sp>
-      <p:sp>
-        <p:nvSpPr>
-          <p:cNvPr id="3" name="Content Placeholder 2">
-            <a:extLst>
-              <a:ext uri="{FF2B5EF4-FFF2-40B4-BE49-F238E27FC236}">
-                <a16:creationId xmlns:a16="http://schemas.microsoft.com/office/drawing/2014/main" id="{BD968524-EA0B-C146-92FA-2E895FA576C0}"/>
-              </a:ext>
-            </a:extLst>
-          </p:cNvPr>
-          <p:cNvSpPr>
-            <a:spLocks noGrp="1"/>
-          </p:cNvSpPr>
-          <p:nvPr>
-            <p:ph idx="1"/>
-          </p:nvPr>
-        </p:nvSpPr>
-        <p:spPr/>
-        <p:txBody>
-          <a:bodyPr>
-            <a:normAutofit lnSpcReduction="10000"/>
-          </a:bodyPr>
-          <a:lstStyle/>
-          <a:p>
-            <a:r>
-              <a:rPr lang="en-GB" dirty="0">
-                <a:hlinkClick r:id="rId2"/>
-              </a:rPr>
-              <a:t>Spark SQL</a:t>
-            </a:r>
-            <a:endParaRPr lang="en-GB" dirty="0">
-              <a:effectLst/>
-            </a:endParaRPr>
-          </a:p>
-          <a:p>
-            <a:r>
-              <a:rPr lang="en-GB" u="none" strike="noStrike" dirty="0">
-                <a:effectLst/>
-                <a:hlinkClick r:id="rId3"/>
-              </a:rPr>
-              <a:t>Structured Streaming</a:t>
-            </a:r>
-            <a:endParaRPr lang="en-GB" dirty="0">
-              <a:effectLst/>
-            </a:endParaRPr>
-          </a:p>
-          <a:p>
-            <a:r>
-              <a:rPr lang="en-GB" u="none" strike="noStrike" dirty="0">
-                <a:effectLst/>
-                <a:hlinkClick r:id="rId4"/>
-              </a:rPr>
-              <a:t>MLlib (DataFrame-based)</a:t>
-            </a:r>
-            <a:endParaRPr lang="en-GB" dirty="0">
-              <a:effectLst/>
-            </a:endParaRPr>
-          </a:p>
-          <a:p>
-            <a:r>
-              <a:rPr lang="en-GB" u="none" strike="noStrike" dirty="0">
-                <a:effectLst/>
-                <a:hlinkClick r:id="rId5"/>
-              </a:rPr>
-              <a:t>Spark Streaming</a:t>
-            </a:r>
-            <a:endParaRPr lang="en-GB" dirty="0">
-              <a:effectLst/>
-            </a:endParaRPr>
-          </a:p>
-          <a:p>
-            <a:r>
-              <a:rPr lang="en-GB" u="none" strike="noStrike" dirty="0">
-                <a:effectLst/>
-                <a:hlinkClick r:id="rId6"/>
-              </a:rPr>
-              <a:t>MLlib (RDD-based)</a:t>
-            </a:r>
-            <a:endParaRPr lang="en-GB" dirty="0">
-              <a:effectLst/>
-            </a:endParaRPr>
-          </a:p>
-          <a:p>
-            <a:r>
-              <a:rPr lang="en-GB" u="none" strike="noStrike" dirty="0">
-                <a:effectLst/>
-                <a:hlinkClick r:id="rId7"/>
-              </a:rPr>
-              <a:t>Spark Core</a:t>
-            </a:r>
-            <a:endParaRPr lang="en-GB" dirty="0">
-              <a:effectLst/>
-            </a:endParaRPr>
-          </a:p>
-          <a:p>
-            <a:r>
-              <a:rPr lang="en-GB" u="none" strike="noStrike" dirty="0">
-                <a:effectLst/>
-                <a:hlinkClick r:id="rId8"/>
-              </a:rPr>
-              <a:t>Resource Management</a:t>
-            </a:r>
-            <a:endParaRPr lang="en-GB" u="none" strike="noStrike" dirty="0">
-              <a:effectLst/>
-            </a:endParaRPr>
-          </a:p>
-          <a:p>
-            <a:endParaRPr lang="en-GB" dirty="0"/>
-          </a:p>
-          <a:p>
-            <a:pPr marL="0" indent="0">
-              <a:buNone/>
-            </a:pPr>
-            <a:r>
-              <a:rPr lang="en-GB" dirty="0">
-                <a:effectLst/>
-              </a:rPr>
-              <a:t>Only study spark </a:t>
-            </a:r>
-            <a:r>
-              <a:rPr lang="en-GB" dirty="0" err="1">
-                <a:effectLst/>
-              </a:rPr>
-              <a:t>sql</a:t>
-            </a:r>
-            <a:r>
-              <a:rPr lang="en-GB" dirty="0">
-                <a:effectLst/>
-              </a:rPr>
-              <a:t>, skip the rest</a:t>
-            </a:r>
-          </a:p>
-        </p:txBody>
-      </p:sp>
-    </p:spTree>
-    <p:extLst>
-      <p:ext uri="{BB962C8B-B14F-4D97-AF65-F5344CB8AC3E}">
-        <p14:creationId xmlns:p14="http://schemas.microsoft.com/office/powerpoint/2010/main" val="680148095"/>
-      </p:ext>
-    </p:extLst>
-  </p:cSld>
-  <p:clrMapOvr>
-    <a:masterClrMapping/>
-  </p:clrMapOvr>
-</p:sld>
-</file>
-
-<file path=ppt/slides/slide4.xml><?xml version="1.0" encoding="utf-8"?>
-<p:sld xmlns:a="http://schemas.openxmlformats.org/drawingml/2006/main" xmlns:r="http://schemas.openxmlformats.org/officeDocument/2006/relationships" xmlns:p="http://schemas.openxmlformats.org/presentationml/2006/main">
-  <p:cSld>
-    <p:spTree>
-      <p:nvGrpSpPr>
-        <p:cNvPr id="1" name=""/>
-        <p:cNvGrpSpPr/>
-        <p:nvPr/>
-      </p:nvGrpSpPr>
-      <p:grpSpPr>
-        <a:xfrm>
-          <a:off x="0" y="0"/>
-          <a:ext cx="0" cy="0"/>
-          <a:chOff x="0" y="0"/>
-          <a:chExt cx="0" cy="0"/>
-        </a:xfrm>
-      </p:grpSpPr>
-      <p:sp>
-        <p:nvSpPr>
-          <p:cNvPr id="2" name="Title 1">
-            <a:extLst>
-              <a:ext uri="{FF2B5EF4-FFF2-40B4-BE49-F238E27FC236}">
-                <a16:creationId xmlns:a16="http://schemas.microsoft.com/office/drawing/2014/main" id="{4EBF5F2D-5452-814D-8A85-07FADCB73D9D}"/>
-              </a:ext>
-            </a:extLst>
-          </p:cNvPr>
-          <p:cNvSpPr>
-            <a:spLocks noGrp="1"/>
-          </p:cNvSpPr>
-          <p:nvPr>
-            <p:ph type="title"/>
-          </p:nvPr>
-        </p:nvSpPr>
-        <p:spPr/>
-        <p:txBody>
-          <a:bodyPr/>
-          <a:lstStyle/>
-          <a:p>
-            <a:r>
-              <a:rPr lang="en-SE" dirty="0"/>
-              <a:t>Spark SQL API</a:t>
-            </a:r>
-          </a:p>
-        </p:txBody>
-      </p:sp>
-      <p:sp>
-        <p:nvSpPr>
-          <p:cNvPr id="3" name="Content Placeholder 2">
-            <a:extLst>
-              <a:ext uri="{FF2B5EF4-FFF2-40B4-BE49-F238E27FC236}">
-                <a16:creationId xmlns:a16="http://schemas.microsoft.com/office/drawing/2014/main" id="{3608FF79-A4D1-724E-9521-6C25F9939E0A}"/>
-              </a:ext>
-            </a:extLst>
-          </p:cNvPr>
-          <p:cNvSpPr>
-            <a:spLocks noGrp="1"/>
-          </p:cNvSpPr>
-          <p:nvPr>
-            <p:ph idx="1"/>
-          </p:nvPr>
-        </p:nvSpPr>
-        <p:spPr/>
-        <p:txBody>
-          <a:bodyPr>
-            <a:normAutofit fontScale="85000" lnSpcReduction="20000"/>
-          </a:bodyPr>
-          <a:lstStyle/>
-          <a:p>
-            <a:r>
-              <a:rPr lang="en-GB" dirty="0">
-                <a:hlinkClick r:id="rId2"/>
-              </a:rPr>
-              <a:t>Core Classes</a:t>
-            </a:r>
-            <a:endParaRPr lang="en-GB" dirty="0"/>
-          </a:p>
-          <a:p>
-            <a:r>
-              <a:rPr lang="en-GB" dirty="0">
-                <a:hlinkClick r:id="rId3"/>
-              </a:rPr>
-              <a:t>Spark Session APIs</a:t>
-            </a:r>
-            <a:endParaRPr lang="en-GB" dirty="0"/>
-          </a:p>
-          <a:p>
-            <a:r>
-              <a:rPr lang="en-GB" dirty="0">
-                <a:hlinkClick r:id="rId4"/>
-              </a:rPr>
-              <a:t>Configuration</a:t>
-            </a:r>
-            <a:endParaRPr lang="en-GB" dirty="0"/>
-          </a:p>
-          <a:p>
-            <a:r>
-              <a:rPr lang="en-GB" dirty="0">
-                <a:hlinkClick r:id="rId5"/>
-              </a:rPr>
-              <a:t>Input and Output</a:t>
-            </a:r>
-            <a:endParaRPr lang="en-GB" dirty="0"/>
-          </a:p>
-          <a:p>
-            <a:r>
-              <a:rPr lang="en-GB" dirty="0">
-                <a:hlinkClick r:id="rId6"/>
-              </a:rPr>
-              <a:t>DataFrame APIs</a:t>
-            </a:r>
-            <a:endParaRPr lang="en-GB" dirty="0"/>
-          </a:p>
-          <a:p>
-            <a:r>
-              <a:rPr lang="en-GB" dirty="0">
-                <a:hlinkClick r:id="rId7"/>
-              </a:rPr>
-              <a:t>Column APIs</a:t>
-            </a:r>
-            <a:endParaRPr lang="en-GB" dirty="0"/>
-          </a:p>
-          <a:p>
-            <a:r>
-              <a:rPr lang="en-GB" dirty="0">
-                <a:hlinkClick r:id="rId8"/>
-              </a:rPr>
-              <a:t>Data Types</a:t>
-            </a:r>
-            <a:endParaRPr lang="en-GB" dirty="0"/>
-          </a:p>
-          <a:p>
-            <a:r>
-              <a:rPr lang="en-GB" dirty="0">
-                <a:hlinkClick r:id="rId9"/>
-              </a:rPr>
-              <a:t>Row</a:t>
-            </a:r>
-            <a:endParaRPr lang="en-GB" dirty="0"/>
-          </a:p>
-          <a:p>
-            <a:r>
-              <a:rPr lang="en-GB" dirty="0">
-                <a:hlinkClick r:id="rId10"/>
-              </a:rPr>
-              <a:t>Functions</a:t>
-            </a:r>
-            <a:endParaRPr lang="en-GB" dirty="0"/>
-          </a:p>
-          <a:p>
-            <a:r>
-              <a:rPr lang="en-GB" dirty="0">
-                <a:hlinkClick r:id="rId11"/>
-              </a:rPr>
-              <a:t>Window</a:t>
-            </a:r>
-            <a:endParaRPr lang="en-GB" dirty="0"/>
-          </a:p>
-          <a:p>
-            <a:r>
-              <a:rPr lang="en-GB" dirty="0">
-                <a:hlinkClick r:id="rId12"/>
-              </a:rPr>
-              <a:t>Grouping</a:t>
-            </a:r>
-            <a:endParaRPr lang="en-GB" dirty="0"/>
-          </a:p>
-        </p:txBody>
-      </p:sp>
-    </p:spTree>
-    <p:extLst>
-      <p:ext uri="{BB962C8B-B14F-4D97-AF65-F5344CB8AC3E}">
-        <p14:creationId xmlns:p14="http://schemas.microsoft.com/office/powerpoint/2010/main" val="1631949517"/>
       </p:ext>
     </p:extLst>
   </p:cSld>
